--- a/sort program flow.pptx
+++ b/sort program flow.pptx
@@ -3103,8 +3103,8 @@
         </p:nvSpPr>
         <p:spPr>
           <a:xfrm>
-            <a:off x="1582072" y="1813374"/>
-            <a:ext cx="914400" cy="312095"/>
+            <a:off x="2349042" y="242142"/>
+            <a:ext cx="1345300" cy="312095"/>
           </a:xfrm>
           <a:prstGeom prst="rect">
             <a:avLst/>
@@ -3142,7 +3142,15 @@
                   <a:schemeClr val="tx1"/>
                 </a:solidFill>
               </a:rPr>
-              <a:t>displayMenu</a:t>
+              <a:t>displayMainMenu</a:t>
+            </a:r>
+            <a:r>
+              <a:rPr lang="en-US" sz="1000" dirty="0" smtClean="0">
+                <a:solidFill>
+                  <a:schemeClr val="tx1"/>
+                </a:solidFill>
+              </a:rPr>
+              <a:t>()</a:t>
             </a:r>
             <a:endParaRPr lang="en-US" sz="1000" dirty="0">
               <a:solidFill>
@@ -3206,6 +3214,1927 @@
                 <a:schemeClr val="tx1"/>
               </a:solidFill>
             </a:endParaRPr>
+          </a:p>
+        </p:txBody>
+      </p:sp>
+      <p:sp>
+        <p:nvSpPr>
+          <p:cNvPr id="6" name="Rectangle 5"/>
+          <p:cNvSpPr/>
+          <p:nvPr/>
+        </p:nvSpPr>
+        <p:spPr>
+          <a:xfrm>
+            <a:off x="2349042" y="1384635"/>
+            <a:ext cx="1345299" cy="312095"/>
+          </a:xfrm>
+          <a:prstGeom prst="rect">
+            <a:avLst/>
+          </a:prstGeom>
+          <a:noFill/>
+          <a:ln>
+            <a:solidFill>
+              <a:schemeClr val="tx1"/>
+            </a:solidFill>
+          </a:ln>
+          <a:effectLst/>
+        </p:spPr>
+        <p:style>
+          <a:lnRef idx="1">
+            <a:schemeClr val="accent1"/>
+          </a:lnRef>
+          <a:fillRef idx="3">
+            <a:schemeClr val="accent1"/>
+          </a:fillRef>
+          <a:effectRef idx="2">
+            <a:schemeClr val="accent1"/>
+          </a:effectRef>
+          <a:fontRef idx="minor">
+            <a:schemeClr val="lt1"/>
+          </a:fontRef>
+        </p:style>
+        <p:txBody>
+          <a:bodyPr rtlCol="0" anchor="ctr"/>
+          <a:lstStyle/>
+          <a:p>
+            <a:pPr algn="ctr"/>
+            <a:r>
+              <a:rPr lang="en-US" sz="1000" dirty="0" err="1" smtClean="0">
+                <a:solidFill>
+                  <a:schemeClr val="tx1"/>
+                </a:solidFill>
+              </a:rPr>
+              <a:t>generateArray</a:t>
+            </a:r>
+            <a:r>
+              <a:rPr lang="en-US" sz="1000" dirty="0" smtClean="0">
+                <a:solidFill>
+                  <a:schemeClr val="tx1"/>
+                </a:solidFill>
+              </a:rPr>
+              <a:t>()</a:t>
+            </a:r>
+            <a:endParaRPr lang="en-US" sz="1000" dirty="0">
+              <a:solidFill>
+                <a:schemeClr val="tx1"/>
+              </a:solidFill>
+            </a:endParaRPr>
+          </a:p>
+        </p:txBody>
+      </p:sp>
+      <p:sp>
+        <p:nvSpPr>
+          <p:cNvPr id="7" name="Rectangle 6"/>
+          <p:cNvSpPr/>
+          <p:nvPr/>
+        </p:nvSpPr>
+        <p:spPr>
+          <a:xfrm>
+            <a:off x="4619907" y="242142"/>
+            <a:ext cx="1345299" cy="312095"/>
+          </a:xfrm>
+          <a:prstGeom prst="rect">
+            <a:avLst/>
+          </a:prstGeom>
+          <a:noFill/>
+          <a:ln>
+            <a:solidFill>
+              <a:schemeClr val="tx1"/>
+            </a:solidFill>
+          </a:ln>
+          <a:effectLst/>
+        </p:spPr>
+        <p:style>
+          <a:lnRef idx="1">
+            <a:schemeClr val="accent1"/>
+          </a:lnRef>
+          <a:fillRef idx="3">
+            <a:schemeClr val="accent1"/>
+          </a:fillRef>
+          <a:effectRef idx="2">
+            <a:schemeClr val="accent1"/>
+          </a:effectRef>
+          <a:fontRef idx="minor">
+            <a:schemeClr val="lt1"/>
+          </a:fontRef>
+        </p:style>
+        <p:txBody>
+          <a:bodyPr rtlCol="0" anchor="ctr"/>
+          <a:lstStyle/>
+          <a:p>
+            <a:pPr algn="ctr"/>
+            <a:r>
+              <a:rPr lang="en-US" sz="1000" dirty="0" err="1" smtClean="0">
+                <a:solidFill>
+                  <a:schemeClr val="tx1"/>
+                </a:solidFill>
+              </a:rPr>
+              <a:t>getInput</a:t>
+            </a:r>
+            <a:r>
+              <a:rPr lang="en-US" sz="1000" dirty="0" smtClean="0">
+                <a:solidFill>
+                  <a:schemeClr val="tx1"/>
+                </a:solidFill>
+              </a:rPr>
+              <a:t>(): </a:t>
+            </a:r>
+            <a:r>
+              <a:rPr lang="en-US" sz="1000" dirty="0" err="1" smtClean="0">
+                <a:solidFill>
+                  <a:schemeClr val="tx1"/>
+                </a:solidFill>
+              </a:rPr>
+              <a:t>int</a:t>
+            </a:r>
+            <a:endParaRPr lang="en-US" sz="1000" dirty="0">
+              <a:solidFill>
+                <a:schemeClr val="tx1"/>
+              </a:solidFill>
+            </a:endParaRPr>
+          </a:p>
+        </p:txBody>
+      </p:sp>
+      <p:sp>
+        <p:nvSpPr>
+          <p:cNvPr id="10" name="Rectangle 9"/>
+          <p:cNvSpPr/>
+          <p:nvPr/>
+        </p:nvSpPr>
+        <p:spPr>
+          <a:xfrm>
+            <a:off x="4619907" y="1384635"/>
+            <a:ext cx="1345299" cy="312095"/>
+          </a:xfrm>
+          <a:prstGeom prst="rect">
+            <a:avLst/>
+          </a:prstGeom>
+          <a:noFill/>
+          <a:ln>
+            <a:solidFill>
+              <a:schemeClr val="tx1"/>
+            </a:solidFill>
+          </a:ln>
+          <a:effectLst/>
+        </p:spPr>
+        <p:style>
+          <a:lnRef idx="1">
+            <a:schemeClr val="accent1"/>
+          </a:lnRef>
+          <a:fillRef idx="3">
+            <a:schemeClr val="accent1"/>
+          </a:fillRef>
+          <a:effectRef idx="2">
+            <a:schemeClr val="accent1"/>
+          </a:effectRef>
+          <a:fontRef idx="minor">
+            <a:schemeClr val="lt1"/>
+          </a:fontRef>
+        </p:style>
+        <p:txBody>
+          <a:bodyPr rtlCol="0" anchor="ctr"/>
+          <a:lstStyle/>
+          <a:p>
+            <a:pPr algn="ctr"/>
+            <a:r>
+              <a:rPr lang="en-US" sz="1000" dirty="0" err="1" smtClean="0">
+                <a:solidFill>
+                  <a:schemeClr val="tx1"/>
+                </a:solidFill>
+              </a:rPr>
+              <a:t>getRandInt</a:t>
+            </a:r>
+            <a:r>
+              <a:rPr lang="en-US" sz="1000" dirty="0" smtClean="0">
+                <a:solidFill>
+                  <a:schemeClr val="tx1"/>
+                </a:solidFill>
+              </a:rPr>
+              <a:t>()</a:t>
+            </a:r>
+            <a:endParaRPr lang="en-US" sz="1000" dirty="0">
+              <a:solidFill>
+                <a:schemeClr val="tx1"/>
+              </a:solidFill>
+            </a:endParaRPr>
+          </a:p>
+        </p:txBody>
+      </p:sp>
+      <p:cxnSp>
+        <p:nvCxnSpPr>
+          <p:cNvPr id="12" name="Elbow Connector 11"/>
+          <p:cNvCxnSpPr>
+            <a:stCxn id="4" idx="3"/>
+            <a:endCxn id="7" idx="1"/>
+          </p:cNvCxnSpPr>
+          <p:nvPr/>
+        </p:nvCxnSpPr>
+        <p:spPr>
+          <a:xfrm>
+            <a:off x="3694342" y="398190"/>
+            <a:ext cx="925565" cy="12700"/>
+          </a:xfrm>
+          <a:prstGeom prst="bentConnector3">
+            <a:avLst/>
+          </a:prstGeom>
+          <a:ln w="12700" cmpd="sng">
+            <a:solidFill>
+              <a:srgbClr val="000000"/>
+            </a:solidFill>
+          </a:ln>
+          <a:effectLst/>
+        </p:spPr>
+        <p:style>
+          <a:lnRef idx="2">
+            <a:schemeClr val="accent1"/>
+          </a:lnRef>
+          <a:fillRef idx="0">
+            <a:schemeClr val="accent1"/>
+          </a:fillRef>
+          <a:effectRef idx="1">
+            <a:schemeClr val="accent1"/>
+          </a:effectRef>
+          <a:fontRef idx="minor">
+            <a:schemeClr val="tx1"/>
+          </a:fontRef>
+        </p:style>
+      </p:cxnSp>
+      <p:sp>
+        <p:nvSpPr>
+          <p:cNvPr id="13" name="TextBox 12"/>
+          <p:cNvSpPr txBox="1"/>
+          <p:nvPr/>
+        </p:nvSpPr>
+        <p:spPr>
+          <a:xfrm>
+            <a:off x="3784147" y="215445"/>
+            <a:ext cx="939680" cy="338554"/>
+          </a:xfrm>
+          <a:prstGeom prst="rect">
+            <a:avLst/>
+          </a:prstGeom>
+          <a:noFill/>
+        </p:spPr>
+        <p:txBody>
+          <a:bodyPr wrap="none" rtlCol="0">
+            <a:spAutoFit/>
+          </a:bodyPr>
+          <a:lstStyle/>
+          <a:p>
+            <a:r>
+              <a:rPr lang="en-US" sz="800" dirty="0" smtClean="0"/>
+              <a:t>1. get sort choices</a:t>
+            </a:r>
+          </a:p>
+          <a:p>
+            <a:r>
+              <a:rPr lang="en-US" sz="800" dirty="0" smtClean="0"/>
+              <a:t>2. get loop count</a:t>
+            </a:r>
+            <a:endParaRPr lang="en-US" sz="800" dirty="0"/>
+          </a:p>
+        </p:txBody>
+      </p:sp>
+      <p:sp>
+        <p:nvSpPr>
+          <p:cNvPr id="14" name="TextBox 13"/>
+          <p:cNvSpPr txBox="1"/>
+          <p:nvPr/>
+        </p:nvSpPr>
+        <p:spPr>
+          <a:xfrm>
+            <a:off x="3151286" y="1036610"/>
+            <a:ext cx="1468621" cy="338554"/>
+          </a:xfrm>
+          <a:prstGeom prst="rect">
+            <a:avLst/>
+          </a:prstGeom>
+          <a:noFill/>
+        </p:spPr>
+        <p:txBody>
+          <a:bodyPr wrap="none" rtlCol="0">
+            <a:spAutoFit/>
+          </a:bodyPr>
+          <a:lstStyle/>
+          <a:p>
+            <a:r>
+              <a:rPr lang="en-US" sz="800" dirty="0" smtClean="0"/>
+              <a:t>Used to create each sort array </a:t>
+            </a:r>
+          </a:p>
+          <a:p>
+            <a:r>
+              <a:rPr lang="en-US" sz="800" dirty="0" smtClean="0"/>
+              <a:t>Used to create each time array</a:t>
+            </a:r>
+            <a:endParaRPr lang="en-US" sz="800" dirty="0"/>
+          </a:p>
+        </p:txBody>
+      </p:sp>
+      <p:sp>
+        <p:nvSpPr>
+          <p:cNvPr id="15" name="TextBox 14"/>
+          <p:cNvSpPr txBox="1"/>
+          <p:nvPr/>
+        </p:nvSpPr>
+        <p:spPr>
+          <a:xfrm>
+            <a:off x="3323591" y="2350254"/>
+            <a:ext cx="184666" cy="369332"/>
+          </a:xfrm>
+          <a:prstGeom prst="rect">
+            <a:avLst/>
+          </a:prstGeom>
+          <a:noFill/>
+        </p:spPr>
+        <p:txBody>
+          <a:bodyPr wrap="none" rtlCol="0">
+            <a:spAutoFit/>
+          </a:bodyPr>
+          <a:lstStyle/>
+          <a:p>
+            <a:endParaRPr lang="en-US" dirty="0"/>
+          </a:p>
+        </p:txBody>
+      </p:sp>
+      <p:cxnSp>
+        <p:nvCxnSpPr>
+          <p:cNvPr id="16" name="Elbow Connector 15"/>
+          <p:cNvCxnSpPr>
+            <a:stCxn id="31" idx="3"/>
+            <a:endCxn id="10" idx="1"/>
+          </p:cNvCxnSpPr>
+          <p:nvPr/>
+        </p:nvCxnSpPr>
+        <p:spPr>
+          <a:xfrm flipV="1">
+            <a:off x="3694342" y="1540683"/>
+            <a:ext cx="925565" cy="653524"/>
+          </a:xfrm>
+          <a:prstGeom prst="bentConnector3">
+            <a:avLst/>
+          </a:prstGeom>
+          <a:ln w="12700" cmpd="sng">
+            <a:solidFill>
+              <a:srgbClr val="000000"/>
+            </a:solidFill>
+          </a:ln>
+          <a:effectLst/>
+        </p:spPr>
+        <p:style>
+          <a:lnRef idx="2">
+            <a:schemeClr val="accent1"/>
+          </a:lnRef>
+          <a:fillRef idx="0">
+            <a:schemeClr val="accent1"/>
+          </a:fillRef>
+          <a:effectRef idx="1">
+            <a:schemeClr val="accent1"/>
+          </a:effectRef>
+          <a:fontRef idx="minor">
+            <a:schemeClr val="tx1"/>
+          </a:fontRef>
+        </p:style>
+      </p:cxnSp>
+      <p:sp>
+        <p:nvSpPr>
+          <p:cNvPr id="20" name="Rectangle 19"/>
+          <p:cNvSpPr/>
+          <p:nvPr/>
+        </p:nvSpPr>
+        <p:spPr>
+          <a:xfrm>
+            <a:off x="2629835" y="2962497"/>
+            <a:ext cx="774681" cy="312095"/>
+          </a:xfrm>
+          <a:prstGeom prst="rect">
+            <a:avLst/>
+          </a:prstGeom>
+          <a:noFill/>
+          <a:ln>
+            <a:solidFill>
+              <a:schemeClr val="tx1"/>
+            </a:solidFill>
+          </a:ln>
+          <a:effectLst/>
+        </p:spPr>
+        <p:style>
+          <a:lnRef idx="1">
+            <a:schemeClr val="accent1"/>
+          </a:lnRef>
+          <a:fillRef idx="3">
+            <a:schemeClr val="accent1"/>
+          </a:fillRef>
+          <a:effectRef idx="2">
+            <a:schemeClr val="accent1"/>
+          </a:effectRef>
+          <a:fontRef idx="minor">
+            <a:schemeClr val="lt1"/>
+          </a:fontRef>
+        </p:style>
+        <p:txBody>
+          <a:bodyPr rtlCol="0" anchor="ctr"/>
+          <a:lstStyle/>
+          <a:p>
+            <a:pPr algn="ctr"/>
+            <a:r>
+              <a:rPr lang="en-US" sz="1000" dirty="0" err="1" smtClean="0">
+                <a:solidFill>
+                  <a:schemeClr val="tx1"/>
+                </a:solidFill>
+              </a:rPr>
+              <a:t>pickSort</a:t>
+            </a:r>
+            <a:r>
+              <a:rPr lang="en-US" sz="1000" dirty="0" smtClean="0">
+                <a:solidFill>
+                  <a:schemeClr val="tx1"/>
+                </a:solidFill>
+              </a:rPr>
+              <a:t>()</a:t>
+            </a:r>
+            <a:endParaRPr lang="en-US" sz="1000" dirty="0">
+              <a:solidFill>
+                <a:schemeClr val="tx1"/>
+              </a:solidFill>
+            </a:endParaRPr>
+          </a:p>
+        </p:txBody>
+      </p:sp>
+      <p:sp>
+        <p:nvSpPr>
+          <p:cNvPr id="21" name="Rectangle 20"/>
+          <p:cNvSpPr/>
+          <p:nvPr/>
+        </p:nvSpPr>
+        <p:spPr>
+          <a:xfrm>
+            <a:off x="4872287" y="2161864"/>
+            <a:ext cx="983172" cy="312095"/>
+          </a:xfrm>
+          <a:prstGeom prst="rect">
+            <a:avLst/>
+          </a:prstGeom>
+          <a:noFill/>
+          <a:ln>
+            <a:solidFill>
+              <a:schemeClr val="tx1"/>
+            </a:solidFill>
+          </a:ln>
+          <a:effectLst/>
+        </p:spPr>
+        <p:style>
+          <a:lnRef idx="1">
+            <a:schemeClr val="accent1"/>
+          </a:lnRef>
+          <a:fillRef idx="3">
+            <a:schemeClr val="accent1"/>
+          </a:fillRef>
+          <a:effectRef idx="2">
+            <a:schemeClr val="accent1"/>
+          </a:effectRef>
+          <a:fontRef idx="minor">
+            <a:schemeClr val="lt1"/>
+          </a:fontRef>
+        </p:style>
+        <p:txBody>
+          <a:bodyPr rtlCol="0" anchor="ctr"/>
+          <a:lstStyle/>
+          <a:p>
+            <a:pPr algn="ctr"/>
+            <a:r>
+              <a:rPr lang="en-US" sz="1000" dirty="0" err="1" smtClean="0">
+                <a:solidFill>
+                  <a:schemeClr val="tx1"/>
+                </a:solidFill>
+              </a:rPr>
+              <a:t>bubbleSort</a:t>
+            </a:r>
+            <a:r>
+              <a:rPr lang="en-US" sz="1000" dirty="0" smtClean="0">
+                <a:solidFill>
+                  <a:schemeClr val="tx1"/>
+                </a:solidFill>
+              </a:rPr>
+              <a:t>()</a:t>
+            </a:r>
+            <a:endParaRPr lang="en-US" sz="1000" dirty="0">
+              <a:solidFill>
+                <a:schemeClr val="tx1"/>
+              </a:solidFill>
+            </a:endParaRPr>
+          </a:p>
+        </p:txBody>
+      </p:sp>
+      <p:sp>
+        <p:nvSpPr>
+          <p:cNvPr id="22" name="Rectangle 21"/>
+          <p:cNvSpPr/>
+          <p:nvPr/>
+        </p:nvSpPr>
+        <p:spPr>
+          <a:xfrm>
+            <a:off x="4872287" y="2687243"/>
+            <a:ext cx="983172" cy="312095"/>
+          </a:xfrm>
+          <a:prstGeom prst="rect">
+            <a:avLst/>
+          </a:prstGeom>
+          <a:noFill/>
+          <a:ln>
+            <a:solidFill>
+              <a:schemeClr val="tx1"/>
+            </a:solidFill>
+          </a:ln>
+          <a:effectLst/>
+        </p:spPr>
+        <p:style>
+          <a:lnRef idx="1">
+            <a:schemeClr val="accent1"/>
+          </a:lnRef>
+          <a:fillRef idx="3">
+            <a:schemeClr val="accent1"/>
+          </a:fillRef>
+          <a:effectRef idx="2">
+            <a:schemeClr val="accent1"/>
+          </a:effectRef>
+          <a:fontRef idx="minor">
+            <a:schemeClr val="lt1"/>
+          </a:fontRef>
+        </p:style>
+        <p:txBody>
+          <a:bodyPr rtlCol="0" anchor="ctr"/>
+          <a:lstStyle/>
+          <a:p>
+            <a:pPr algn="ctr"/>
+            <a:r>
+              <a:rPr lang="en-US" sz="1000" dirty="0" err="1" smtClean="0">
+                <a:solidFill>
+                  <a:schemeClr val="tx1"/>
+                </a:solidFill>
+              </a:rPr>
+              <a:t>mergeSort</a:t>
+            </a:r>
+            <a:r>
+              <a:rPr lang="en-US" sz="1000" dirty="0" smtClean="0">
+                <a:solidFill>
+                  <a:schemeClr val="tx1"/>
+                </a:solidFill>
+              </a:rPr>
+              <a:t>()</a:t>
+            </a:r>
+            <a:endParaRPr lang="en-US" sz="1000" dirty="0">
+              <a:solidFill>
+                <a:schemeClr val="tx1"/>
+              </a:solidFill>
+            </a:endParaRPr>
+          </a:p>
+        </p:txBody>
+      </p:sp>
+      <p:sp>
+        <p:nvSpPr>
+          <p:cNvPr id="23" name="Rectangle 22"/>
+          <p:cNvSpPr/>
+          <p:nvPr/>
+        </p:nvSpPr>
+        <p:spPr>
+          <a:xfrm>
+            <a:off x="4872287" y="3242250"/>
+            <a:ext cx="983172" cy="312095"/>
+          </a:xfrm>
+          <a:prstGeom prst="rect">
+            <a:avLst/>
+          </a:prstGeom>
+          <a:noFill/>
+          <a:ln>
+            <a:solidFill>
+              <a:schemeClr val="tx1"/>
+            </a:solidFill>
+          </a:ln>
+          <a:effectLst/>
+        </p:spPr>
+        <p:style>
+          <a:lnRef idx="1">
+            <a:schemeClr val="accent1"/>
+          </a:lnRef>
+          <a:fillRef idx="3">
+            <a:schemeClr val="accent1"/>
+          </a:fillRef>
+          <a:effectRef idx="2">
+            <a:schemeClr val="accent1"/>
+          </a:effectRef>
+          <a:fontRef idx="minor">
+            <a:schemeClr val="lt1"/>
+          </a:fontRef>
+        </p:style>
+        <p:txBody>
+          <a:bodyPr rtlCol="0" anchor="ctr"/>
+          <a:lstStyle/>
+          <a:p>
+            <a:pPr algn="ctr"/>
+            <a:r>
+              <a:rPr lang="en-US" sz="1000" dirty="0" err="1" smtClean="0">
+                <a:solidFill>
+                  <a:schemeClr val="tx1"/>
+                </a:solidFill>
+              </a:rPr>
+              <a:t>insertionSort</a:t>
+            </a:r>
+            <a:r>
+              <a:rPr lang="en-US" sz="1000" dirty="0" smtClean="0">
+                <a:solidFill>
+                  <a:schemeClr val="tx1"/>
+                </a:solidFill>
+              </a:rPr>
+              <a:t>()</a:t>
+            </a:r>
+            <a:endParaRPr lang="en-US" sz="1000" dirty="0">
+              <a:solidFill>
+                <a:schemeClr val="tx1"/>
+              </a:solidFill>
+            </a:endParaRPr>
+          </a:p>
+        </p:txBody>
+      </p:sp>
+      <p:sp>
+        <p:nvSpPr>
+          <p:cNvPr id="27" name="Rectangle 26"/>
+          <p:cNvSpPr/>
+          <p:nvPr/>
+        </p:nvSpPr>
+        <p:spPr>
+          <a:xfrm>
+            <a:off x="4872287" y="3795266"/>
+            <a:ext cx="983172" cy="312095"/>
+          </a:xfrm>
+          <a:prstGeom prst="rect">
+            <a:avLst/>
+          </a:prstGeom>
+          <a:noFill/>
+          <a:ln>
+            <a:solidFill>
+              <a:schemeClr val="tx1"/>
+            </a:solidFill>
+          </a:ln>
+          <a:effectLst/>
+        </p:spPr>
+        <p:style>
+          <a:lnRef idx="1">
+            <a:schemeClr val="accent1"/>
+          </a:lnRef>
+          <a:fillRef idx="3">
+            <a:schemeClr val="accent1"/>
+          </a:fillRef>
+          <a:effectRef idx="2">
+            <a:schemeClr val="accent1"/>
+          </a:effectRef>
+          <a:fontRef idx="minor">
+            <a:schemeClr val="lt1"/>
+          </a:fontRef>
+        </p:style>
+        <p:txBody>
+          <a:bodyPr rtlCol="0" anchor="ctr"/>
+          <a:lstStyle/>
+          <a:p>
+            <a:pPr algn="ctr"/>
+            <a:r>
+              <a:rPr lang="en-US" sz="1000" dirty="0" err="1" smtClean="0">
+                <a:solidFill>
+                  <a:schemeClr val="tx1"/>
+                </a:solidFill>
+              </a:rPr>
+              <a:t>quickSort</a:t>
+            </a:r>
+            <a:r>
+              <a:rPr lang="en-US" sz="1000" dirty="0" smtClean="0">
+                <a:solidFill>
+                  <a:schemeClr val="tx1"/>
+                </a:solidFill>
+              </a:rPr>
+              <a:t>()</a:t>
+            </a:r>
+            <a:endParaRPr lang="en-US" sz="1000" dirty="0">
+              <a:solidFill>
+                <a:schemeClr val="tx1"/>
+              </a:solidFill>
+            </a:endParaRPr>
+          </a:p>
+        </p:txBody>
+      </p:sp>
+      <p:cxnSp>
+        <p:nvCxnSpPr>
+          <p:cNvPr id="28" name="Elbow Connector 27"/>
+          <p:cNvCxnSpPr>
+            <a:stCxn id="5" idx="3"/>
+            <a:endCxn id="20" idx="1"/>
+          </p:cNvCxnSpPr>
+          <p:nvPr/>
+        </p:nvCxnSpPr>
+        <p:spPr>
+          <a:xfrm flipV="1">
+            <a:off x="1131375" y="3118545"/>
+            <a:ext cx="1498460" cy="144034"/>
+          </a:xfrm>
+          <a:prstGeom prst="bentConnector3">
+            <a:avLst>
+              <a:gd name="adj1" fmla="val 50000"/>
+            </a:avLst>
+          </a:prstGeom>
+          <a:ln w="12700" cmpd="sng">
+            <a:solidFill>
+              <a:srgbClr val="000000"/>
+            </a:solidFill>
+          </a:ln>
+          <a:effectLst/>
+        </p:spPr>
+        <p:style>
+          <a:lnRef idx="2">
+            <a:schemeClr val="accent1"/>
+          </a:lnRef>
+          <a:fillRef idx="0">
+            <a:schemeClr val="accent1"/>
+          </a:fillRef>
+          <a:effectRef idx="1">
+            <a:schemeClr val="accent1"/>
+          </a:effectRef>
+          <a:fontRef idx="minor">
+            <a:schemeClr val="tx1"/>
+          </a:fontRef>
+        </p:style>
+      </p:cxnSp>
+      <p:sp>
+        <p:nvSpPr>
+          <p:cNvPr id="31" name="Rectangle 30"/>
+          <p:cNvSpPr/>
+          <p:nvPr/>
+        </p:nvSpPr>
+        <p:spPr>
+          <a:xfrm>
+            <a:off x="2349043" y="2038159"/>
+            <a:ext cx="1345299" cy="312095"/>
+          </a:xfrm>
+          <a:prstGeom prst="rect">
+            <a:avLst/>
+          </a:prstGeom>
+          <a:noFill/>
+          <a:ln>
+            <a:solidFill>
+              <a:schemeClr val="tx1"/>
+            </a:solidFill>
+          </a:ln>
+          <a:effectLst/>
+        </p:spPr>
+        <p:style>
+          <a:lnRef idx="1">
+            <a:schemeClr val="accent1"/>
+          </a:lnRef>
+          <a:fillRef idx="3">
+            <a:schemeClr val="accent1"/>
+          </a:fillRef>
+          <a:effectRef idx="2">
+            <a:schemeClr val="accent1"/>
+          </a:effectRef>
+          <a:fontRef idx="minor">
+            <a:schemeClr val="lt1"/>
+          </a:fontRef>
+        </p:style>
+        <p:txBody>
+          <a:bodyPr rtlCol="0" anchor="ctr"/>
+          <a:lstStyle/>
+          <a:p>
+            <a:pPr algn="ctr"/>
+            <a:r>
+              <a:rPr lang="en-US" sz="1000" dirty="0" err="1" smtClean="0">
+                <a:solidFill>
+                  <a:schemeClr val="tx1"/>
+                </a:solidFill>
+              </a:rPr>
+              <a:t>fillRandomArray</a:t>
+            </a:r>
+            <a:r>
+              <a:rPr lang="en-US" sz="1000" dirty="0" smtClean="0">
+                <a:solidFill>
+                  <a:schemeClr val="tx1"/>
+                </a:solidFill>
+              </a:rPr>
+              <a:t>()</a:t>
+            </a:r>
+            <a:endParaRPr lang="en-US" sz="1000" dirty="0">
+              <a:solidFill>
+                <a:schemeClr val="tx1"/>
+              </a:solidFill>
+            </a:endParaRPr>
+          </a:p>
+        </p:txBody>
+      </p:sp>
+      <p:cxnSp>
+        <p:nvCxnSpPr>
+          <p:cNvPr id="33" name="Elbow Connector 32"/>
+          <p:cNvCxnSpPr>
+            <a:stCxn id="5" idx="3"/>
+            <a:endCxn id="4" idx="1"/>
+          </p:cNvCxnSpPr>
+          <p:nvPr/>
+        </p:nvCxnSpPr>
+        <p:spPr>
+          <a:xfrm flipV="1">
+            <a:off x="1131375" y="398190"/>
+            <a:ext cx="1217667" cy="2864389"/>
+          </a:xfrm>
+          <a:prstGeom prst="bentConnector3">
+            <a:avLst>
+              <a:gd name="adj1" fmla="val 50000"/>
+            </a:avLst>
+          </a:prstGeom>
+          <a:ln w="12700" cmpd="sng">
+            <a:solidFill>
+              <a:srgbClr val="000000"/>
+            </a:solidFill>
+          </a:ln>
+          <a:effectLst/>
+        </p:spPr>
+        <p:style>
+          <a:lnRef idx="2">
+            <a:schemeClr val="accent1"/>
+          </a:lnRef>
+          <a:fillRef idx="0">
+            <a:schemeClr val="accent1"/>
+          </a:fillRef>
+          <a:effectRef idx="1">
+            <a:schemeClr val="accent1"/>
+          </a:effectRef>
+          <a:fontRef idx="minor">
+            <a:schemeClr val="tx1"/>
+          </a:fontRef>
+        </p:style>
+      </p:cxnSp>
+      <p:sp>
+        <p:nvSpPr>
+          <p:cNvPr id="36" name="TextBox 35"/>
+          <p:cNvSpPr txBox="1"/>
+          <p:nvPr/>
+        </p:nvSpPr>
+        <p:spPr>
+          <a:xfrm>
+            <a:off x="711922" y="678763"/>
+            <a:ext cx="1399341" cy="584776"/>
+          </a:xfrm>
+          <a:prstGeom prst="rect">
+            <a:avLst/>
+          </a:prstGeom>
+          <a:noFill/>
+        </p:spPr>
+        <p:txBody>
+          <a:bodyPr wrap="square" rtlCol="0">
+            <a:spAutoFit/>
+          </a:bodyPr>
+          <a:lstStyle/>
+          <a:p>
+            <a:r>
+              <a:rPr lang="en-US" sz="800" dirty="0" smtClean="0"/>
+              <a:t>&lt;- 3 digit integer that has the first  and second choice of sort and  the number of of loops</a:t>
+            </a:r>
+            <a:endParaRPr lang="en-US" sz="800" dirty="0"/>
+          </a:p>
+        </p:txBody>
+      </p:sp>
+      <p:cxnSp>
+        <p:nvCxnSpPr>
+          <p:cNvPr id="37" name="Elbow Connector 36"/>
+          <p:cNvCxnSpPr>
+            <a:stCxn id="5" idx="3"/>
+            <a:endCxn id="6" idx="1"/>
+          </p:cNvCxnSpPr>
+          <p:nvPr/>
+        </p:nvCxnSpPr>
+        <p:spPr>
+          <a:xfrm flipV="1">
+            <a:off x="1131375" y="1540683"/>
+            <a:ext cx="1217667" cy="1721896"/>
+          </a:xfrm>
+          <a:prstGeom prst="bentConnector3">
+            <a:avLst>
+              <a:gd name="adj1" fmla="val 50000"/>
+            </a:avLst>
+          </a:prstGeom>
+          <a:ln w="12700" cmpd="sng">
+            <a:solidFill>
+              <a:srgbClr val="000000"/>
+            </a:solidFill>
+          </a:ln>
+          <a:effectLst/>
+        </p:spPr>
+        <p:style>
+          <a:lnRef idx="2">
+            <a:schemeClr val="accent1"/>
+          </a:lnRef>
+          <a:fillRef idx="0">
+            <a:schemeClr val="accent1"/>
+          </a:fillRef>
+          <a:effectRef idx="1">
+            <a:schemeClr val="accent1"/>
+          </a:effectRef>
+          <a:fontRef idx="minor">
+            <a:schemeClr val="tx1"/>
+          </a:fontRef>
+        </p:style>
+      </p:cxnSp>
+      <p:sp>
+        <p:nvSpPr>
+          <p:cNvPr id="40" name="TextBox 39"/>
+          <p:cNvSpPr txBox="1"/>
+          <p:nvPr/>
+        </p:nvSpPr>
+        <p:spPr>
+          <a:xfrm>
+            <a:off x="1862146" y="1303358"/>
+            <a:ext cx="441898" cy="215444"/>
+          </a:xfrm>
+          <a:prstGeom prst="rect">
+            <a:avLst/>
+          </a:prstGeom>
+          <a:noFill/>
+        </p:spPr>
+        <p:txBody>
+          <a:bodyPr wrap="none" rtlCol="0">
+            <a:spAutoFit/>
+          </a:bodyPr>
+          <a:lstStyle/>
+          <a:p>
+            <a:r>
+              <a:rPr lang="en-US" sz="800" dirty="0" smtClean="0"/>
+              <a:t>-&gt;</a:t>
+            </a:r>
+            <a:r>
+              <a:rPr lang="en-US" sz="800" dirty="0" err="1" smtClean="0"/>
+              <a:t>int</a:t>
+            </a:r>
+            <a:r>
+              <a:rPr lang="en-US" sz="800" dirty="0" smtClean="0"/>
+              <a:t>[]</a:t>
+            </a:r>
+            <a:endParaRPr lang="en-US" sz="800" dirty="0"/>
+          </a:p>
+        </p:txBody>
+      </p:sp>
+      <p:sp>
+        <p:nvSpPr>
+          <p:cNvPr id="41" name="TextBox 40"/>
+          <p:cNvSpPr txBox="1"/>
+          <p:nvPr/>
+        </p:nvSpPr>
+        <p:spPr>
+          <a:xfrm>
+            <a:off x="3694342" y="1978763"/>
+            <a:ext cx="402173" cy="215444"/>
+          </a:xfrm>
+          <a:prstGeom prst="rect">
+            <a:avLst/>
+          </a:prstGeom>
+          <a:noFill/>
+        </p:spPr>
+        <p:txBody>
+          <a:bodyPr wrap="none" rtlCol="0">
+            <a:spAutoFit/>
+          </a:bodyPr>
+          <a:lstStyle/>
+          <a:p>
+            <a:r>
+              <a:rPr lang="en-US" sz="800" dirty="0" smtClean="0"/>
+              <a:t>&lt;- </a:t>
+            </a:r>
+            <a:r>
+              <a:rPr lang="en-US" sz="800" dirty="0" err="1" smtClean="0"/>
+              <a:t>int</a:t>
+            </a:r>
+            <a:endParaRPr lang="en-US" sz="800" dirty="0"/>
+          </a:p>
+        </p:txBody>
+      </p:sp>
+      <p:cxnSp>
+        <p:nvCxnSpPr>
+          <p:cNvPr id="42" name="Elbow Connector 41"/>
+          <p:cNvCxnSpPr>
+            <a:stCxn id="5" idx="3"/>
+            <a:endCxn id="31" idx="1"/>
+          </p:cNvCxnSpPr>
+          <p:nvPr/>
+        </p:nvCxnSpPr>
+        <p:spPr>
+          <a:xfrm flipV="1">
+            <a:off x="1131375" y="2194207"/>
+            <a:ext cx="1217668" cy="1068372"/>
+          </a:xfrm>
+          <a:prstGeom prst="bentConnector3">
+            <a:avLst>
+              <a:gd name="adj1" fmla="val 50000"/>
+            </a:avLst>
+          </a:prstGeom>
+          <a:ln w="12700" cmpd="sng">
+            <a:solidFill>
+              <a:srgbClr val="000000"/>
+            </a:solidFill>
+          </a:ln>
+          <a:effectLst/>
+        </p:spPr>
+        <p:style>
+          <a:lnRef idx="2">
+            <a:schemeClr val="accent1"/>
+          </a:lnRef>
+          <a:fillRef idx="0">
+            <a:schemeClr val="accent1"/>
+          </a:fillRef>
+          <a:effectRef idx="1">
+            <a:schemeClr val="accent1"/>
+          </a:effectRef>
+          <a:fontRef idx="minor">
+            <a:schemeClr val="tx1"/>
+          </a:fontRef>
+        </p:style>
+      </p:cxnSp>
+      <p:sp>
+        <p:nvSpPr>
+          <p:cNvPr id="46" name="TextBox 45"/>
+          <p:cNvSpPr txBox="1"/>
+          <p:nvPr/>
+        </p:nvSpPr>
+        <p:spPr>
+          <a:xfrm>
+            <a:off x="1862146" y="1984171"/>
+            <a:ext cx="441898" cy="215444"/>
+          </a:xfrm>
+          <a:prstGeom prst="rect">
+            <a:avLst/>
+          </a:prstGeom>
+          <a:noFill/>
+        </p:spPr>
+        <p:txBody>
+          <a:bodyPr wrap="none" rtlCol="0">
+            <a:spAutoFit/>
+          </a:bodyPr>
+          <a:lstStyle/>
+          <a:p>
+            <a:r>
+              <a:rPr lang="en-US" sz="800" dirty="0" smtClean="0"/>
+              <a:t>-&gt;</a:t>
+            </a:r>
+            <a:r>
+              <a:rPr lang="en-US" sz="800" dirty="0" err="1" smtClean="0"/>
+              <a:t>int</a:t>
+            </a:r>
+            <a:r>
+              <a:rPr lang="en-US" sz="800" dirty="0" smtClean="0"/>
+              <a:t>[]</a:t>
+            </a:r>
+            <a:endParaRPr lang="en-US" sz="800" dirty="0"/>
+          </a:p>
+        </p:txBody>
+      </p:sp>
+      <p:sp>
+        <p:nvSpPr>
+          <p:cNvPr id="47" name="TextBox 46"/>
+          <p:cNvSpPr txBox="1"/>
+          <p:nvPr/>
+        </p:nvSpPr>
+        <p:spPr>
+          <a:xfrm>
+            <a:off x="1839689" y="3118545"/>
+            <a:ext cx="879117" cy="461665"/>
+          </a:xfrm>
+          <a:prstGeom prst="rect">
+            <a:avLst/>
+          </a:prstGeom>
+          <a:noFill/>
+        </p:spPr>
+        <p:txBody>
+          <a:bodyPr wrap="none" rtlCol="0">
+            <a:spAutoFit/>
+          </a:bodyPr>
+          <a:lstStyle/>
+          <a:p>
+            <a:r>
+              <a:rPr lang="en-US" sz="800" dirty="0" smtClean="0"/>
+              <a:t>-&gt; </a:t>
+            </a:r>
+            <a:r>
+              <a:rPr lang="en-US" sz="800" dirty="0" err="1" smtClean="0"/>
+              <a:t>int</a:t>
+            </a:r>
+            <a:r>
+              <a:rPr lang="en-US" sz="800" dirty="0" smtClean="0"/>
+              <a:t> </a:t>
+            </a:r>
+            <a:r>
+              <a:rPr lang="en-US" sz="800" dirty="0" err="1" smtClean="0"/>
+              <a:t>sortOption</a:t>
+            </a:r>
+            <a:endParaRPr lang="en-US" sz="800" dirty="0" smtClean="0"/>
+          </a:p>
+          <a:p>
+            <a:r>
+              <a:rPr lang="en-US" sz="800" dirty="0" smtClean="0"/>
+              <a:t>-&gt; </a:t>
+            </a:r>
+            <a:r>
+              <a:rPr lang="en-US" sz="800" dirty="0" err="1" smtClean="0"/>
+              <a:t>int</a:t>
+            </a:r>
+            <a:r>
+              <a:rPr lang="en-US" sz="800" dirty="0" smtClean="0"/>
+              <a:t> </a:t>
+            </a:r>
+            <a:r>
+              <a:rPr lang="en-US" sz="800" dirty="0" err="1" smtClean="0"/>
+              <a:t>sortArray</a:t>
+            </a:r>
+            <a:r>
+              <a:rPr lang="en-US" sz="800" dirty="0" smtClean="0"/>
+              <a:t>[]</a:t>
+            </a:r>
+          </a:p>
+          <a:p>
+            <a:r>
+              <a:rPr lang="en-US" sz="800" dirty="0" smtClean="0"/>
+              <a:t>&lt;- time</a:t>
+            </a:r>
+          </a:p>
+        </p:txBody>
+      </p:sp>
+      <p:cxnSp>
+        <p:nvCxnSpPr>
+          <p:cNvPr id="48" name="Elbow Connector 47"/>
+          <p:cNvCxnSpPr>
+            <a:stCxn id="20" idx="3"/>
+            <a:endCxn id="21" idx="1"/>
+          </p:cNvCxnSpPr>
+          <p:nvPr/>
+        </p:nvCxnSpPr>
+        <p:spPr>
+          <a:xfrm flipV="1">
+            <a:off x="3404516" y="2317912"/>
+            <a:ext cx="1467771" cy="800633"/>
+          </a:xfrm>
+          <a:prstGeom prst="bentConnector3">
+            <a:avLst>
+              <a:gd name="adj1" fmla="val 50000"/>
+            </a:avLst>
+          </a:prstGeom>
+          <a:ln w="12700" cmpd="sng">
+            <a:solidFill>
+              <a:srgbClr val="000000"/>
+            </a:solidFill>
+          </a:ln>
+          <a:effectLst/>
+        </p:spPr>
+        <p:style>
+          <a:lnRef idx="2">
+            <a:schemeClr val="accent1"/>
+          </a:lnRef>
+          <a:fillRef idx="0">
+            <a:schemeClr val="accent1"/>
+          </a:fillRef>
+          <a:effectRef idx="1">
+            <a:schemeClr val="accent1"/>
+          </a:effectRef>
+          <a:fontRef idx="minor">
+            <a:schemeClr val="tx1"/>
+          </a:fontRef>
+        </p:style>
+      </p:cxnSp>
+      <p:cxnSp>
+        <p:nvCxnSpPr>
+          <p:cNvPr id="51" name="Elbow Connector 50"/>
+          <p:cNvCxnSpPr>
+            <a:stCxn id="20" idx="3"/>
+            <a:endCxn id="22" idx="1"/>
+          </p:cNvCxnSpPr>
+          <p:nvPr/>
+        </p:nvCxnSpPr>
+        <p:spPr>
+          <a:xfrm flipV="1">
+            <a:off x="3404516" y="2843291"/>
+            <a:ext cx="1467771" cy="275254"/>
+          </a:xfrm>
+          <a:prstGeom prst="bentConnector3">
+            <a:avLst>
+              <a:gd name="adj1" fmla="val 50000"/>
+            </a:avLst>
+          </a:prstGeom>
+          <a:ln w="12700" cmpd="sng">
+            <a:solidFill>
+              <a:srgbClr val="000000"/>
+            </a:solidFill>
+          </a:ln>
+          <a:effectLst/>
+        </p:spPr>
+        <p:style>
+          <a:lnRef idx="2">
+            <a:schemeClr val="accent1"/>
+          </a:lnRef>
+          <a:fillRef idx="0">
+            <a:schemeClr val="accent1"/>
+          </a:fillRef>
+          <a:effectRef idx="1">
+            <a:schemeClr val="accent1"/>
+          </a:effectRef>
+          <a:fontRef idx="minor">
+            <a:schemeClr val="tx1"/>
+          </a:fontRef>
+        </p:style>
+      </p:cxnSp>
+      <p:cxnSp>
+        <p:nvCxnSpPr>
+          <p:cNvPr id="54" name="Elbow Connector 53"/>
+          <p:cNvCxnSpPr>
+            <a:stCxn id="20" idx="3"/>
+            <a:endCxn id="23" idx="1"/>
+          </p:cNvCxnSpPr>
+          <p:nvPr/>
+        </p:nvCxnSpPr>
+        <p:spPr>
+          <a:xfrm>
+            <a:off x="3404516" y="3118545"/>
+            <a:ext cx="1467771" cy="279753"/>
+          </a:xfrm>
+          <a:prstGeom prst="bentConnector3">
+            <a:avLst>
+              <a:gd name="adj1" fmla="val 50000"/>
+            </a:avLst>
+          </a:prstGeom>
+          <a:ln w="12700" cmpd="sng">
+            <a:solidFill>
+              <a:srgbClr val="000000"/>
+            </a:solidFill>
+          </a:ln>
+          <a:effectLst/>
+        </p:spPr>
+        <p:style>
+          <a:lnRef idx="2">
+            <a:schemeClr val="accent1"/>
+          </a:lnRef>
+          <a:fillRef idx="0">
+            <a:schemeClr val="accent1"/>
+          </a:fillRef>
+          <a:effectRef idx="1">
+            <a:schemeClr val="accent1"/>
+          </a:effectRef>
+          <a:fontRef idx="minor">
+            <a:schemeClr val="tx1"/>
+          </a:fontRef>
+        </p:style>
+      </p:cxnSp>
+      <p:cxnSp>
+        <p:nvCxnSpPr>
+          <p:cNvPr id="57" name="Elbow Connector 56"/>
+          <p:cNvCxnSpPr>
+            <a:stCxn id="20" idx="3"/>
+            <a:endCxn id="27" idx="1"/>
+          </p:cNvCxnSpPr>
+          <p:nvPr/>
+        </p:nvCxnSpPr>
+        <p:spPr>
+          <a:xfrm>
+            <a:off x="3404516" y="3118545"/>
+            <a:ext cx="1467771" cy="832769"/>
+          </a:xfrm>
+          <a:prstGeom prst="bentConnector3">
+            <a:avLst>
+              <a:gd name="adj1" fmla="val 50000"/>
+            </a:avLst>
+          </a:prstGeom>
+          <a:ln w="12700" cmpd="sng">
+            <a:solidFill>
+              <a:srgbClr val="000000"/>
+            </a:solidFill>
+          </a:ln>
+          <a:effectLst/>
+        </p:spPr>
+        <p:style>
+          <a:lnRef idx="2">
+            <a:schemeClr val="accent1"/>
+          </a:lnRef>
+          <a:fillRef idx="0">
+            <a:schemeClr val="accent1"/>
+          </a:fillRef>
+          <a:effectRef idx="1">
+            <a:schemeClr val="accent1"/>
+          </a:effectRef>
+          <a:fontRef idx="minor">
+            <a:schemeClr val="tx1"/>
+          </a:fontRef>
+        </p:style>
+      </p:cxnSp>
+      <p:sp>
+        <p:nvSpPr>
+          <p:cNvPr id="61" name="TextBox 60"/>
+          <p:cNvSpPr txBox="1"/>
+          <p:nvPr/>
+        </p:nvSpPr>
+        <p:spPr>
+          <a:xfrm>
+            <a:off x="3344588" y="2909379"/>
+            <a:ext cx="879117" cy="215444"/>
+          </a:xfrm>
+          <a:prstGeom prst="rect">
+            <a:avLst/>
+          </a:prstGeom>
+          <a:noFill/>
+        </p:spPr>
+        <p:txBody>
+          <a:bodyPr wrap="none" rtlCol="0">
+            <a:spAutoFit/>
+          </a:bodyPr>
+          <a:lstStyle/>
+          <a:p>
+            <a:r>
+              <a:rPr lang="en-US" sz="800" dirty="0" smtClean="0"/>
+              <a:t>-&gt; </a:t>
+            </a:r>
+            <a:r>
+              <a:rPr lang="en-US" sz="800" dirty="0" err="1" smtClean="0"/>
+              <a:t>int</a:t>
+            </a:r>
+            <a:r>
+              <a:rPr lang="en-US" sz="800" dirty="0" smtClean="0"/>
+              <a:t> </a:t>
+            </a:r>
+            <a:r>
+              <a:rPr lang="en-US" sz="800" dirty="0" err="1" smtClean="0"/>
+              <a:t>sortArray</a:t>
+            </a:r>
+            <a:r>
+              <a:rPr lang="en-US" sz="800" dirty="0" smtClean="0"/>
+              <a:t>[]</a:t>
+            </a:r>
+          </a:p>
+        </p:txBody>
+      </p:sp>
+      <p:sp>
+        <p:nvSpPr>
+          <p:cNvPr id="62" name="Rectangle 61"/>
+          <p:cNvSpPr/>
+          <p:nvPr/>
+        </p:nvSpPr>
+        <p:spPr>
+          <a:xfrm>
+            <a:off x="2629835" y="3796004"/>
+            <a:ext cx="774681" cy="312095"/>
+          </a:xfrm>
+          <a:prstGeom prst="rect">
+            <a:avLst/>
+          </a:prstGeom>
+          <a:noFill/>
+          <a:ln>
+            <a:solidFill>
+              <a:schemeClr val="tx1"/>
+            </a:solidFill>
+          </a:ln>
+          <a:effectLst/>
+        </p:spPr>
+        <p:style>
+          <a:lnRef idx="1">
+            <a:schemeClr val="accent1"/>
+          </a:lnRef>
+          <a:fillRef idx="3">
+            <a:schemeClr val="accent1"/>
+          </a:fillRef>
+          <a:effectRef idx="2">
+            <a:schemeClr val="accent1"/>
+          </a:effectRef>
+          <a:fontRef idx="minor">
+            <a:schemeClr val="lt1"/>
+          </a:fontRef>
+        </p:style>
+        <p:txBody>
+          <a:bodyPr rtlCol="0" anchor="ctr"/>
+          <a:lstStyle/>
+          <a:p>
+            <a:pPr algn="ctr"/>
+            <a:r>
+              <a:rPr lang="en-US" sz="1000" dirty="0" smtClean="0">
+                <a:solidFill>
+                  <a:schemeClr val="tx1"/>
+                </a:solidFill>
+              </a:rPr>
+              <a:t>validate()</a:t>
+            </a:r>
+            <a:endParaRPr lang="en-US" sz="1000" dirty="0">
+              <a:solidFill>
+                <a:schemeClr val="tx1"/>
+              </a:solidFill>
+            </a:endParaRPr>
+          </a:p>
+        </p:txBody>
+      </p:sp>
+      <p:cxnSp>
+        <p:nvCxnSpPr>
+          <p:cNvPr id="63" name="Elbow Connector 62"/>
+          <p:cNvCxnSpPr>
+            <a:stCxn id="5" idx="3"/>
+            <a:endCxn id="62" idx="1"/>
+          </p:cNvCxnSpPr>
+          <p:nvPr/>
+        </p:nvCxnSpPr>
+        <p:spPr>
+          <a:xfrm>
+            <a:off x="1131375" y="3262579"/>
+            <a:ext cx="1498460" cy="689473"/>
+          </a:xfrm>
+          <a:prstGeom prst="bentConnector3">
+            <a:avLst>
+              <a:gd name="adj1" fmla="val 50000"/>
+            </a:avLst>
+          </a:prstGeom>
+          <a:ln w="12700" cmpd="sng">
+            <a:solidFill>
+              <a:srgbClr val="000000"/>
+            </a:solidFill>
+          </a:ln>
+          <a:effectLst/>
+        </p:spPr>
+        <p:style>
+          <a:lnRef idx="2">
+            <a:schemeClr val="accent1"/>
+          </a:lnRef>
+          <a:fillRef idx="0">
+            <a:schemeClr val="accent1"/>
+          </a:fillRef>
+          <a:effectRef idx="1">
+            <a:schemeClr val="accent1"/>
+          </a:effectRef>
+          <a:fontRef idx="minor">
+            <a:schemeClr val="tx1"/>
+          </a:fontRef>
+        </p:style>
+      </p:cxnSp>
+      <p:sp>
+        <p:nvSpPr>
+          <p:cNvPr id="66" name="TextBox 65"/>
+          <p:cNvSpPr txBox="1"/>
+          <p:nvPr/>
+        </p:nvSpPr>
+        <p:spPr>
+          <a:xfrm>
+            <a:off x="1864485" y="3938084"/>
+            <a:ext cx="887382" cy="215444"/>
+          </a:xfrm>
+          <a:prstGeom prst="rect">
+            <a:avLst/>
+          </a:prstGeom>
+          <a:noFill/>
+        </p:spPr>
+        <p:txBody>
+          <a:bodyPr wrap="none" rtlCol="0">
+            <a:spAutoFit/>
+          </a:bodyPr>
+          <a:lstStyle/>
+          <a:p>
+            <a:r>
+              <a:rPr lang="en-US" sz="800" dirty="0" smtClean="0"/>
+              <a:t>-&gt;</a:t>
+            </a:r>
+            <a:r>
+              <a:rPr lang="en-US" sz="800" dirty="0" err="1" smtClean="0"/>
+              <a:t>int</a:t>
+            </a:r>
+            <a:r>
+              <a:rPr lang="en-US" sz="800" dirty="0" smtClean="0"/>
+              <a:t> </a:t>
+            </a:r>
+            <a:r>
+              <a:rPr lang="en-US" sz="800" dirty="0" err="1" smtClean="0"/>
+              <a:t>sortArray</a:t>
+            </a:r>
+            <a:r>
+              <a:rPr lang="en-US" sz="800" dirty="0" smtClean="0"/>
+              <a:t>[]</a:t>
+            </a:r>
+          </a:p>
+        </p:txBody>
+      </p:sp>
+      <p:sp>
+        <p:nvSpPr>
+          <p:cNvPr id="67" name="Rectangle 66"/>
+          <p:cNvSpPr/>
+          <p:nvPr/>
+        </p:nvSpPr>
+        <p:spPr>
+          <a:xfrm>
+            <a:off x="2438604" y="4476181"/>
+            <a:ext cx="965912" cy="312095"/>
+          </a:xfrm>
+          <a:prstGeom prst="rect">
+            <a:avLst/>
+          </a:prstGeom>
+          <a:noFill/>
+          <a:ln>
+            <a:solidFill>
+              <a:schemeClr val="tx1"/>
+            </a:solidFill>
+          </a:ln>
+          <a:effectLst/>
+        </p:spPr>
+        <p:style>
+          <a:lnRef idx="1">
+            <a:schemeClr val="accent1"/>
+          </a:lnRef>
+          <a:fillRef idx="3">
+            <a:schemeClr val="accent1"/>
+          </a:fillRef>
+          <a:effectRef idx="2">
+            <a:schemeClr val="accent1"/>
+          </a:effectRef>
+          <a:fontRef idx="minor">
+            <a:schemeClr val="lt1"/>
+          </a:fontRef>
+        </p:style>
+        <p:txBody>
+          <a:bodyPr rtlCol="0" anchor="ctr"/>
+          <a:lstStyle/>
+          <a:p>
+            <a:pPr algn="ctr"/>
+            <a:r>
+              <a:rPr lang="en-US" sz="1000" dirty="0" err="1" smtClean="0">
+                <a:solidFill>
+                  <a:schemeClr val="tx1"/>
+                </a:solidFill>
+              </a:rPr>
+              <a:t>getAvgTime</a:t>
+            </a:r>
+            <a:r>
+              <a:rPr lang="en-US" sz="1000" dirty="0" smtClean="0">
+                <a:solidFill>
+                  <a:schemeClr val="tx1"/>
+                </a:solidFill>
+              </a:rPr>
+              <a:t>()</a:t>
+            </a:r>
+            <a:endParaRPr lang="en-US" sz="1000" dirty="0">
+              <a:solidFill>
+                <a:schemeClr val="tx1"/>
+              </a:solidFill>
+            </a:endParaRPr>
+          </a:p>
+        </p:txBody>
+      </p:sp>
+      <p:cxnSp>
+        <p:nvCxnSpPr>
+          <p:cNvPr id="68" name="Elbow Connector 67"/>
+          <p:cNvCxnSpPr>
+            <a:stCxn id="5" idx="3"/>
+            <a:endCxn id="67" idx="1"/>
+          </p:cNvCxnSpPr>
+          <p:nvPr/>
+        </p:nvCxnSpPr>
+        <p:spPr>
+          <a:xfrm>
+            <a:off x="1131375" y="3262579"/>
+            <a:ext cx="1307229" cy="1369650"/>
+          </a:xfrm>
+          <a:prstGeom prst="bentConnector3">
+            <a:avLst>
+              <a:gd name="adj1" fmla="val 50000"/>
+            </a:avLst>
+          </a:prstGeom>
+          <a:ln w="12700" cmpd="sng">
+            <a:solidFill>
+              <a:srgbClr val="000000"/>
+            </a:solidFill>
+          </a:ln>
+          <a:effectLst/>
+        </p:spPr>
+        <p:style>
+          <a:lnRef idx="2">
+            <a:schemeClr val="accent1"/>
+          </a:lnRef>
+          <a:fillRef idx="0">
+            <a:schemeClr val="accent1"/>
+          </a:fillRef>
+          <a:effectRef idx="1">
+            <a:schemeClr val="accent1"/>
+          </a:effectRef>
+          <a:fontRef idx="minor">
+            <a:schemeClr val="tx1"/>
+          </a:fontRef>
+        </p:style>
+      </p:cxnSp>
+      <p:sp>
+        <p:nvSpPr>
+          <p:cNvPr id="71" name="Rectangle 70"/>
+          <p:cNvSpPr/>
+          <p:nvPr/>
+        </p:nvSpPr>
+        <p:spPr>
+          <a:xfrm>
+            <a:off x="3025301" y="5115125"/>
+            <a:ext cx="965912" cy="312095"/>
+          </a:xfrm>
+          <a:prstGeom prst="rect">
+            <a:avLst/>
+          </a:prstGeom>
+          <a:noFill/>
+          <a:ln>
+            <a:solidFill>
+              <a:schemeClr val="tx1"/>
+            </a:solidFill>
+          </a:ln>
+          <a:effectLst/>
+        </p:spPr>
+        <p:style>
+          <a:lnRef idx="1">
+            <a:schemeClr val="accent1"/>
+          </a:lnRef>
+          <a:fillRef idx="3">
+            <a:schemeClr val="accent1"/>
+          </a:fillRef>
+          <a:effectRef idx="2">
+            <a:schemeClr val="accent1"/>
+          </a:effectRef>
+          <a:fontRef idx="minor">
+            <a:schemeClr val="lt1"/>
+          </a:fontRef>
+        </p:style>
+        <p:txBody>
+          <a:bodyPr rtlCol="0" anchor="ctr"/>
+          <a:lstStyle/>
+          <a:p>
+            <a:pPr algn="ctr"/>
+            <a:r>
+              <a:rPr lang="en-US" sz="1000" dirty="0" err="1" smtClean="0">
+                <a:solidFill>
+                  <a:schemeClr val="tx1"/>
+                </a:solidFill>
+              </a:rPr>
+              <a:t>printResults</a:t>
+            </a:r>
+            <a:r>
+              <a:rPr lang="en-US" sz="1000" dirty="0" smtClean="0">
+                <a:solidFill>
+                  <a:schemeClr val="tx1"/>
+                </a:solidFill>
+              </a:rPr>
+              <a:t>()</a:t>
+            </a:r>
+            <a:endParaRPr lang="en-US" sz="1000" dirty="0">
+              <a:solidFill>
+                <a:schemeClr val="tx1"/>
+              </a:solidFill>
+            </a:endParaRPr>
+          </a:p>
+        </p:txBody>
+      </p:sp>
+      <p:cxnSp>
+        <p:nvCxnSpPr>
+          <p:cNvPr id="72" name="Elbow Connector 71"/>
+          <p:cNvCxnSpPr>
+            <a:stCxn id="5" idx="3"/>
+            <a:endCxn id="71" idx="1"/>
+          </p:cNvCxnSpPr>
+          <p:nvPr/>
+        </p:nvCxnSpPr>
+        <p:spPr>
+          <a:xfrm>
+            <a:off x="1131375" y="3262579"/>
+            <a:ext cx="1893926" cy="2008594"/>
+          </a:xfrm>
+          <a:prstGeom prst="bentConnector3">
+            <a:avLst>
+              <a:gd name="adj1" fmla="val 23002"/>
+            </a:avLst>
+          </a:prstGeom>
+          <a:ln w="12700" cmpd="sng">
+            <a:solidFill>
+              <a:srgbClr val="000000"/>
+            </a:solidFill>
+          </a:ln>
+          <a:effectLst/>
+        </p:spPr>
+        <p:style>
+          <a:lnRef idx="2">
+            <a:schemeClr val="accent1"/>
+          </a:lnRef>
+          <a:fillRef idx="0">
+            <a:schemeClr val="accent1"/>
+          </a:fillRef>
+          <a:effectRef idx="1">
+            <a:schemeClr val="accent1"/>
+          </a:effectRef>
+          <a:fontRef idx="minor">
+            <a:schemeClr val="tx1"/>
+          </a:fontRef>
+        </p:style>
+      </p:cxnSp>
+      <p:sp>
+        <p:nvSpPr>
+          <p:cNvPr id="75" name="TextBox 74"/>
+          <p:cNvSpPr txBox="1"/>
+          <p:nvPr/>
+        </p:nvSpPr>
+        <p:spPr>
+          <a:xfrm>
+            <a:off x="1619732" y="5256902"/>
+            <a:ext cx="983062" cy="461665"/>
+          </a:xfrm>
+          <a:prstGeom prst="rect">
+            <a:avLst/>
+          </a:prstGeom>
+          <a:noFill/>
+        </p:spPr>
+        <p:txBody>
+          <a:bodyPr wrap="none" rtlCol="0">
+            <a:spAutoFit/>
+          </a:bodyPr>
+          <a:lstStyle/>
+          <a:p>
+            <a:r>
+              <a:rPr lang="en-US" sz="800" dirty="0" smtClean="0"/>
+              <a:t>-&gt;</a:t>
+            </a:r>
+            <a:r>
+              <a:rPr lang="en-US" sz="800" dirty="0" err="1" smtClean="0"/>
+              <a:t>int</a:t>
+            </a:r>
+            <a:r>
+              <a:rPr lang="en-US" sz="800" dirty="0" smtClean="0"/>
+              <a:t> options</a:t>
+            </a:r>
+          </a:p>
+          <a:p>
+            <a:r>
+              <a:rPr lang="en-US" sz="800" dirty="0" smtClean="0"/>
+              <a:t>-&gt;double avgTime1</a:t>
+            </a:r>
+          </a:p>
+          <a:p>
+            <a:r>
+              <a:rPr lang="en-US" sz="800" dirty="0" smtClean="0"/>
+              <a:t>-&gt;double avgTime2</a:t>
+            </a:r>
+          </a:p>
+        </p:txBody>
+      </p:sp>
+      <p:sp>
+        <p:nvSpPr>
+          <p:cNvPr id="78" name="Rectangle 77"/>
+          <p:cNvSpPr/>
+          <p:nvPr/>
+        </p:nvSpPr>
+        <p:spPr>
+          <a:xfrm>
+            <a:off x="2438604" y="6059189"/>
+            <a:ext cx="965912" cy="312095"/>
+          </a:xfrm>
+          <a:prstGeom prst="rect">
+            <a:avLst/>
+          </a:prstGeom>
+          <a:noFill/>
+          <a:ln>
+            <a:solidFill>
+              <a:schemeClr val="tx1"/>
+            </a:solidFill>
+          </a:ln>
+          <a:effectLst/>
+        </p:spPr>
+        <p:style>
+          <a:lnRef idx="1">
+            <a:schemeClr val="accent1"/>
+          </a:lnRef>
+          <a:fillRef idx="3">
+            <a:schemeClr val="accent1"/>
+          </a:fillRef>
+          <a:effectRef idx="2">
+            <a:schemeClr val="accent1"/>
+          </a:effectRef>
+          <a:fontRef idx="minor">
+            <a:schemeClr val="lt1"/>
+          </a:fontRef>
+        </p:style>
+        <p:txBody>
+          <a:bodyPr rtlCol="0" anchor="ctr"/>
+          <a:lstStyle/>
+          <a:p>
+            <a:pPr algn="ctr"/>
+            <a:r>
+              <a:rPr lang="en-US" sz="1000" dirty="0" err="1" smtClean="0">
+                <a:solidFill>
+                  <a:schemeClr val="tx1"/>
+                </a:solidFill>
+              </a:rPr>
+              <a:t>freeMemory</a:t>
+            </a:r>
+            <a:r>
+              <a:rPr lang="en-US" sz="1000" dirty="0" smtClean="0">
+                <a:solidFill>
+                  <a:schemeClr val="tx1"/>
+                </a:solidFill>
+              </a:rPr>
+              <a:t>()</a:t>
+            </a:r>
+            <a:endParaRPr lang="en-US" sz="1000" dirty="0">
+              <a:solidFill>
+                <a:schemeClr val="tx1"/>
+              </a:solidFill>
+            </a:endParaRPr>
+          </a:p>
+        </p:txBody>
+      </p:sp>
+      <p:cxnSp>
+        <p:nvCxnSpPr>
+          <p:cNvPr id="79" name="Elbow Connector 78"/>
+          <p:cNvCxnSpPr>
+            <a:stCxn id="5" idx="3"/>
+            <a:endCxn id="78" idx="1"/>
+          </p:cNvCxnSpPr>
+          <p:nvPr/>
+        </p:nvCxnSpPr>
+        <p:spPr>
+          <a:xfrm>
+            <a:off x="1131375" y="3262579"/>
+            <a:ext cx="1307229" cy="2952658"/>
+          </a:xfrm>
+          <a:prstGeom prst="bentConnector3">
+            <a:avLst>
+              <a:gd name="adj1" fmla="val 16563"/>
+            </a:avLst>
+          </a:prstGeom>
+          <a:ln w="12700" cmpd="sng">
+            <a:solidFill>
+              <a:srgbClr val="000000"/>
+            </a:solidFill>
+          </a:ln>
+          <a:effectLst/>
+        </p:spPr>
+        <p:style>
+          <a:lnRef idx="2">
+            <a:schemeClr val="accent1"/>
+          </a:lnRef>
+          <a:fillRef idx="0">
+            <a:schemeClr val="accent1"/>
+          </a:fillRef>
+          <a:effectRef idx="1">
+            <a:schemeClr val="accent1"/>
+          </a:effectRef>
+          <a:fontRef idx="minor">
+            <a:schemeClr val="tx1"/>
+          </a:fontRef>
+        </p:style>
+      </p:cxnSp>
+      <p:sp>
+        <p:nvSpPr>
+          <p:cNvPr id="83" name="TextBox 82"/>
+          <p:cNvSpPr txBox="1"/>
+          <p:nvPr/>
+        </p:nvSpPr>
+        <p:spPr>
+          <a:xfrm>
+            <a:off x="1372954" y="6140451"/>
+            <a:ext cx="803375" cy="338554"/>
+          </a:xfrm>
+          <a:prstGeom prst="rect">
+            <a:avLst/>
+          </a:prstGeom>
+          <a:noFill/>
+        </p:spPr>
+        <p:txBody>
+          <a:bodyPr wrap="none" rtlCol="0">
+            <a:spAutoFit/>
+          </a:bodyPr>
+          <a:lstStyle/>
+          <a:p>
+            <a:r>
+              <a:rPr lang="en-US" sz="800" dirty="0" smtClean="0"/>
+              <a:t>-&gt;</a:t>
+            </a:r>
+            <a:r>
+              <a:rPr lang="en-US" sz="800" dirty="0" err="1" smtClean="0"/>
+              <a:t>int</a:t>
+            </a:r>
+            <a:r>
+              <a:rPr lang="en-US" sz="800" dirty="0" smtClean="0"/>
+              <a:t> </a:t>
+            </a:r>
+            <a:r>
+              <a:rPr lang="en-US" sz="800" dirty="0" err="1" smtClean="0"/>
+              <a:t>intArray</a:t>
+            </a:r>
+            <a:r>
+              <a:rPr lang="en-US" sz="800" dirty="0" smtClean="0"/>
+              <a:t>[]</a:t>
+            </a:r>
+          </a:p>
+          <a:p>
+            <a:r>
+              <a:rPr lang="en-US" sz="800" dirty="0" smtClean="0"/>
+              <a:t>-&gt;</a:t>
+            </a:r>
+            <a:r>
+              <a:rPr lang="en-US" sz="800" dirty="0" err="1" smtClean="0"/>
+              <a:t>int</a:t>
+            </a:r>
+            <a:r>
+              <a:rPr lang="en-US" sz="800" dirty="0" smtClean="0"/>
+              <a:t> size</a:t>
+            </a:r>
           </a:p>
         </p:txBody>
       </p:sp>

--- a/sort program flow.pptx
+++ b/sort program flow.pptx
@@ -3207,7 +3207,7 @@
                   <a:schemeClr val="tx1"/>
                 </a:solidFill>
               </a:rPr>
-              <a:t>Program Start</a:t>
+              <a:t>main</a:t>
             </a:r>
             <a:endParaRPr lang="en-US" sz="1000" dirty="0">
               <a:solidFill>
@@ -3531,32 +3531,6 @@
           </a:p>
         </p:txBody>
       </p:sp>
-      <p:sp>
-        <p:nvSpPr>
-          <p:cNvPr id="15" name="TextBox 14"/>
-          <p:cNvSpPr txBox="1"/>
-          <p:nvPr/>
-        </p:nvSpPr>
-        <p:spPr>
-          <a:xfrm>
-            <a:off x="3323591" y="2350254"/>
-            <a:ext cx="184666" cy="369332"/>
-          </a:xfrm>
-          <a:prstGeom prst="rect">
-            <a:avLst/>
-          </a:prstGeom>
-          <a:noFill/>
-        </p:spPr>
-        <p:txBody>
-          <a:bodyPr wrap="none" rtlCol="0">
-            <a:spAutoFit/>
-          </a:bodyPr>
-          <a:lstStyle/>
-          <a:p>
-            <a:endParaRPr lang="en-US" dirty="0"/>
-          </a:p>
-        </p:txBody>
-      </p:sp>
       <p:cxnSp>
         <p:nvCxnSpPr>
           <p:cNvPr id="16" name="Elbow Connector 15"/>
@@ -3604,7 +3578,7 @@
         </p:nvSpPr>
         <p:spPr>
           <a:xfrm>
-            <a:off x="2629835" y="2962497"/>
+            <a:off x="4232566" y="2995516"/>
             <a:ext cx="774681" cy="312095"/>
           </a:xfrm>
           <a:prstGeom prst="rect">
@@ -3669,7 +3643,7 @@
         </p:nvSpPr>
         <p:spPr>
           <a:xfrm>
-            <a:off x="4872287" y="2161864"/>
+            <a:off x="7585570" y="2143701"/>
             <a:ext cx="983172" cy="312095"/>
           </a:xfrm>
           <a:prstGeom prst="rect">
@@ -3734,7 +3708,7 @@
         </p:nvSpPr>
         <p:spPr>
           <a:xfrm>
-            <a:off x="4872287" y="2687243"/>
+            <a:off x="7585570" y="2669080"/>
             <a:ext cx="983172" cy="312095"/>
           </a:xfrm>
           <a:prstGeom prst="rect">
@@ -3799,7 +3773,7 @@
         </p:nvSpPr>
         <p:spPr>
           <a:xfrm>
-            <a:off x="4872287" y="3242250"/>
+            <a:off x="7585570" y="3224087"/>
             <a:ext cx="983172" cy="312095"/>
           </a:xfrm>
           <a:prstGeom prst="rect">
@@ -3864,7 +3838,7 @@
         </p:nvSpPr>
         <p:spPr>
           <a:xfrm>
-            <a:off x="4872287" y="3795266"/>
+            <a:off x="7585570" y="3777103"/>
             <a:ext cx="983172" cy="312095"/>
           </a:xfrm>
           <a:prstGeom prst="rect">
@@ -3925,15 +3899,15 @@
         <p:nvCxnSpPr>
           <p:cNvPr id="28" name="Elbow Connector 27"/>
           <p:cNvCxnSpPr>
-            <a:stCxn id="5" idx="3"/>
+            <a:stCxn id="43" idx="3"/>
             <a:endCxn id="20" idx="1"/>
           </p:cNvCxnSpPr>
           <p:nvPr/>
         </p:nvCxnSpPr>
         <p:spPr>
           <a:xfrm flipV="1">
-            <a:off x="1131375" y="3118545"/>
-            <a:ext cx="1498460" cy="144034"/>
+            <a:off x="2349043" y="3151564"/>
+            <a:ext cx="1883523" cy="1093045"/>
           </a:xfrm>
           <a:prstGeom prst="bentConnector3">
             <a:avLst>
@@ -4076,8 +4050,8 @@
         </p:nvSpPr>
         <p:spPr>
           <a:xfrm>
-            <a:off x="711922" y="678763"/>
-            <a:ext cx="1399341" cy="584776"/>
+            <a:off x="1007668" y="678763"/>
+            <a:ext cx="1399341" cy="215444"/>
           </a:xfrm>
           <a:prstGeom prst="rect">
             <a:avLst/>
@@ -4092,7 +4066,15 @@
           <a:p>
             <a:r>
               <a:rPr lang="en-US" sz="800" dirty="0" smtClean="0"/>
-              <a:t>&lt;- 3 digit integer that has the first  and second choice of sort and  the number of of loops</a:t>
+              <a:t>&lt;- </a:t>
+            </a:r>
+            <a:r>
+              <a:rPr lang="en-US" sz="800" dirty="0" err="1" smtClean="0"/>
+              <a:t>optionArray</a:t>
+            </a:r>
+            <a:r>
+              <a:rPr lang="en-US" sz="800" dirty="0" smtClean="0"/>
+              <a:t>[]</a:t>
             </a:r>
             <a:endParaRPr lang="en-US" sz="800" dirty="0"/>
           </a:p>
@@ -4102,20 +4084,18 @@
         <p:nvCxnSpPr>
           <p:cNvPr id="37" name="Elbow Connector 36"/>
           <p:cNvCxnSpPr>
-            <a:stCxn id="5" idx="3"/>
+            <a:stCxn id="43" idx="0"/>
             <a:endCxn id="6" idx="1"/>
           </p:cNvCxnSpPr>
           <p:nvPr/>
         </p:nvCxnSpPr>
         <p:spPr>
-          <a:xfrm flipV="1">
-            <a:off x="1131375" y="1540683"/>
-            <a:ext cx="1217667" cy="1721896"/>
-          </a:xfrm>
-          <a:prstGeom prst="bentConnector3">
-            <a:avLst>
-              <a:gd name="adj1" fmla="val 50000"/>
-            </a:avLst>
+          <a:xfrm rot="5400000" flipH="1" flipV="1">
+            <a:off x="853342" y="2592862"/>
+            <a:ext cx="2547878" cy="443521"/>
+          </a:xfrm>
+          <a:prstGeom prst="bentConnector2">
+            <a:avLst/>
           </a:prstGeom>
           <a:ln w="12700" cmpd="sng">
             <a:solidFill>
@@ -4215,20 +4195,18 @@
         <p:nvCxnSpPr>
           <p:cNvPr id="42" name="Elbow Connector 41"/>
           <p:cNvCxnSpPr>
-            <a:stCxn id="5" idx="3"/>
+            <a:stCxn id="43" idx="0"/>
             <a:endCxn id="31" idx="1"/>
           </p:cNvCxnSpPr>
           <p:nvPr/>
         </p:nvCxnSpPr>
         <p:spPr>
-          <a:xfrm flipV="1">
-            <a:off x="1131375" y="2194207"/>
-            <a:ext cx="1217668" cy="1068372"/>
-          </a:xfrm>
-          <a:prstGeom prst="bentConnector3">
-            <a:avLst>
-              <a:gd name="adj1" fmla="val 50000"/>
-            </a:avLst>
+          <a:xfrm rot="5400000" flipH="1" flipV="1">
+            <a:off x="1180105" y="2919623"/>
+            <a:ext cx="1894354" cy="443522"/>
+          </a:xfrm>
+          <a:prstGeom prst="bentConnector2">
+            <a:avLst/>
           </a:prstGeom>
           <a:ln w="12700" cmpd="sng">
             <a:solidFill>
@@ -4298,7 +4276,7 @@
         </p:nvSpPr>
         <p:spPr>
           <a:xfrm>
-            <a:off x="1839689" y="3118545"/>
+            <a:off x="3216938" y="3118545"/>
             <a:ext cx="879117" cy="461665"/>
           </a:xfrm>
           <a:prstGeom prst="rect">
@@ -4371,8 +4349,8 @@
         </p:nvCxnSpPr>
         <p:spPr>
           <a:xfrm flipV="1">
-            <a:off x="3404516" y="2317912"/>
-            <a:ext cx="1467771" cy="800633"/>
+            <a:off x="5007247" y="2299749"/>
+            <a:ext cx="2578323" cy="851815"/>
           </a:xfrm>
           <a:prstGeom prst="bentConnector3">
             <a:avLst>
@@ -4412,8 +4390,8 @@
         </p:nvCxnSpPr>
         <p:spPr>
           <a:xfrm flipV="1">
-            <a:off x="3404516" y="2843291"/>
-            <a:ext cx="1467771" cy="275254"/>
+            <a:off x="5007247" y="2825128"/>
+            <a:ext cx="2578323" cy="326436"/>
           </a:xfrm>
           <a:prstGeom prst="bentConnector3">
             <a:avLst>
@@ -4453,8 +4431,8 @@
         </p:nvCxnSpPr>
         <p:spPr>
           <a:xfrm>
-            <a:off x="3404516" y="3118545"/>
-            <a:ext cx="1467771" cy="279753"/>
+            <a:off x="5007247" y="3151564"/>
+            <a:ext cx="2578323" cy="228571"/>
           </a:xfrm>
           <a:prstGeom prst="bentConnector3">
             <a:avLst>
@@ -4494,8 +4472,8 @@
         </p:nvCxnSpPr>
         <p:spPr>
           <a:xfrm>
-            <a:off x="3404516" y="3118545"/>
-            <a:ext cx="1467771" cy="832769"/>
+            <a:off x="5007247" y="3151564"/>
+            <a:ext cx="2578323" cy="781587"/>
           </a:xfrm>
           <a:prstGeom prst="bentConnector3">
             <a:avLst>
@@ -4532,7 +4510,7 @@
         </p:nvSpPr>
         <p:spPr>
           <a:xfrm>
-            <a:off x="3344588" y="2909379"/>
+            <a:off x="4947319" y="2942398"/>
             <a:ext cx="879117" cy="215444"/>
           </a:xfrm>
           <a:prstGeom prst="rect">
@@ -4577,7 +4555,7 @@
         </p:nvSpPr>
         <p:spPr>
           <a:xfrm>
-            <a:off x="2629835" y="3796004"/>
+            <a:off x="4232566" y="3796004"/>
             <a:ext cx="774681" cy="312095"/>
           </a:xfrm>
           <a:prstGeom prst="rect">
@@ -4630,15 +4608,15 @@
         <p:nvCxnSpPr>
           <p:cNvPr id="63" name="Elbow Connector 62"/>
           <p:cNvCxnSpPr>
-            <a:stCxn id="5" idx="3"/>
+            <a:stCxn id="43" idx="3"/>
             <a:endCxn id="62" idx="1"/>
           </p:cNvCxnSpPr>
           <p:nvPr/>
         </p:nvCxnSpPr>
         <p:spPr>
-          <a:xfrm>
-            <a:off x="1131375" y="3262579"/>
-            <a:ext cx="1498460" cy="689473"/>
+          <a:xfrm flipV="1">
+            <a:off x="2349043" y="3952052"/>
+            <a:ext cx="1883523" cy="292557"/>
           </a:xfrm>
           <a:prstGeom prst="bentConnector3">
             <a:avLst>
@@ -4675,7 +4653,7 @@
         </p:nvSpPr>
         <p:spPr>
           <a:xfrm>
-            <a:off x="1864485" y="3938084"/>
+            <a:off x="3241734" y="3938084"/>
             <a:ext cx="887382" cy="215444"/>
           </a:xfrm>
           <a:prstGeom prst="rect">
@@ -4720,7 +4698,7 @@
         </p:nvSpPr>
         <p:spPr>
           <a:xfrm>
-            <a:off x="2438604" y="4476181"/>
+            <a:off x="4232566" y="4476181"/>
             <a:ext cx="965912" cy="312095"/>
           </a:xfrm>
           <a:prstGeom prst="rect">
@@ -4781,15 +4759,15 @@
         <p:nvCxnSpPr>
           <p:cNvPr id="68" name="Elbow Connector 67"/>
           <p:cNvCxnSpPr>
-            <a:stCxn id="5" idx="3"/>
+            <a:stCxn id="43" idx="3"/>
             <a:endCxn id="67" idx="1"/>
           </p:cNvCxnSpPr>
           <p:nvPr/>
         </p:nvCxnSpPr>
         <p:spPr>
           <a:xfrm>
-            <a:off x="1131375" y="3262579"/>
-            <a:ext cx="1307229" cy="1369650"/>
+            <a:off x="2349043" y="4244609"/>
+            <a:ext cx="1883523" cy="387620"/>
           </a:xfrm>
           <a:prstGeom prst="bentConnector3">
             <a:avLst>
@@ -4826,7 +4804,7 @@
         </p:nvSpPr>
         <p:spPr>
           <a:xfrm>
-            <a:off x="3025301" y="5115125"/>
+            <a:off x="4240871" y="5115125"/>
             <a:ext cx="965912" cy="312095"/>
           </a:xfrm>
           <a:prstGeom prst="rect">
@@ -4887,19 +4865,19 @@
         <p:nvCxnSpPr>
           <p:cNvPr id="72" name="Elbow Connector 71"/>
           <p:cNvCxnSpPr>
-            <a:stCxn id="5" idx="3"/>
+            <a:stCxn id="43" idx="3"/>
             <a:endCxn id="71" idx="1"/>
           </p:cNvCxnSpPr>
           <p:nvPr/>
         </p:nvCxnSpPr>
         <p:spPr>
           <a:xfrm>
-            <a:off x="1131375" y="3262579"/>
-            <a:ext cx="1893926" cy="2008594"/>
+            <a:off x="2349043" y="4244609"/>
+            <a:ext cx="1891828" cy="1026564"/>
           </a:xfrm>
           <a:prstGeom prst="bentConnector3">
             <a:avLst>
-              <a:gd name="adj1" fmla="val 23002"/>
+              <a:gd name="adj1" fmla="val 50000"/>
             </a:avLst>
           </a:prstGeom>
           <a:ln w="12700" cmpd="sng">
@@ -4932,7 +4910,7 @@
         </p:nvSpPr>
         <p:spPr>
           <a:xfrm>
-            <a:off x="1619732" y="5256902"/>
+            <a:off x="3259600" y="5196387"/>
             <a:ext cx="983062" cy="461665"/>
           </a:xfrm>
           <a:prstGeom prst="rect">
@@ -4981,7 +4959,7 @@
         </p:nvSpPr>
         <p:spPr>
           <a:xfrm>
-            <a:off x="2438604" y="6059189"/>
+            <a:off x="4242662" y="6059189"/>
             <a:ext cx="965912" cy="312095"/>
           </a:xfrm>
           <a:prstGeom prst="rect">
@@ -5042,19 +5020,19 @@
         <p:nvCxnSpPr>
           <p:cNvPr id="79" name="Elbow Connector 78"/>
           <p:cNvCxnSpPr>
-            <a:stCxn id="5" idx="3"/>
+            <a:stCxn id="43" idx="3"/>
             <a:endCxn id="78" idx="1"/>
           </p:cNvCxnSpPr>
           <p:nvPr/>
         </p:nvCxnSpPr>
         <p:spPr>
           <a:xfrm>
-            <a:off x="1131375" y="3262579"/>
-            <a:ext cx="1307229" cy="2952658"/>
+            <a:off x="2349043" y="4244609"/>
+            <a:ext cx="1893619" cy="1970628"/>
           </a:xfrm>
           <a:prstGeom prst="bentConnector3">
             <a:avLst>
-              <a:gd name="adj1" fmla="val 16563"/>
+              <a:gd name="adj1" fmla="val 50000"/>
             </a:avLst>
           </a:prstGeom>
           <a:ln w="12700" cmpd="sng">
@@ -5087,7 +5065,7 @@
         </p:nvSpPr>
         <p:spPr>
           <a:xfrm>
-            <a:off x="1372954" y="6140451"/>
+            <a:off x="3325741" y="6215237"/>
             <a:ext cx="803375" cy="338554"/>
           </a:xfrm>
           <a:prstGeom prst="rect">
@@ -5135,6 +5113,372 @@
               <a:rPr lang="en-US" sz="800" dirty="0" smtClean="0"/>
               <a:t> size</a:t>
             </a:r>
+          </a:p>
+        </p:txBody>
+      </p:sp>
+      <p:sp>
+        <p:nvSpPr>
+          <p:cNvPr id="43" name="Rectangle 42"/>
+          <p:cNvSpPr/>
+          <p:nvPr/>
+        </p:nvSpPr>
+        <p:spPr>
+          <a:xfrm>
+            <a:off x="1461998" y="4088561"/>
+            <a:ext cx="887045" cy="312095"/>
+          </a:xfrm>
+          <a:prstGeom prst="rect">
+            <a:avLst/>
+          </a:prstGeom>
+          <a:noFill/>
+          <a:ln>
+            <a:solidFill>
+              <a:schemeClr val="tx1"/>
+            </a:solidFill>
+          </a:ln>
+          <a:effectLst/>
+        </p:spPr>
+        <p:style>
+          <a:lnRef idx="1">
+            <a:schemeClr val="accent1"/>
+          </a:lnRef>
+          <a:fillRef idx="3">
+            <a:schemeClr val="accent1"/>
+          </a:fillRef>
+          <a:effectRef idx="2">
+            <a:schemeClr val="accent1"/>
+          </a:effectRef>
+          <a:fontRef idx="minor">
+            <a:schemeClr val="lt1"/>
+          </a:fontRef>
+        </p:style>
+        <p:txBody>
+          <a:bodyPr rtlCol="0" anchor="ctr"/>
+          <a:lstStyle/>
+          <a:p>
+            <a:pPr algn="ctr"/>
+            <a:r>
+              <a:rPr lang="en-US" sz="1000" dirty="0" err="1" smtClean="0">
+                <a:solidFill>
+                  <a:schemeClr val="tx1"/>
+                </a:solidFill>
+              </a:rPr>
+              <a:t>loopControl</a:t>
+            </a:r>
+            <a:r>
+              <a:rPr lang="en-US" sz="1000" dirty="0" smtClean="0">
+                <a:solidFill>
+                  <a:schemeClr val="tx1"/>
+                </a:solidFill>
+              </a:rPr>
+              <a:t>(</a:t>
+            </a:r>
+            <a:r>
+              <a:rPr lang="en-US" sz="1000" dirty="0" smtClean="0">
+                <a:solidFill>
+                  <a:schemeClr val="tx1"/>
+                </a:solidFill>
+              </a:rPr>
+              <a:t>)</a:t>
+            </a:r>
+            <a:endParaRPr lang="en-US" sz="1000" dirty="0">
+              <a:solidFill>
+                <a:schemeClr val="tx1"/>
+              </a:solidFill>
+            </a:endParaRPr>
+          </a:p>
+        </p:txBody>
+      </p:sp>
+      <p:sp>
+        <p:nvSpPr>
+          <p:cNvPr id="73" name="TextBox 72"/>
+          <p:cNvSpPr txBox="1"/>
+          <p:nvPr/>
+        </p:nvSpPr>
+        <p:spPr>
+          <a:xfrm>
+            <a:off x="3345184" y="4426648"/>
+            <a:ext cx="931064" cy="215444"/>
+          </a:xfrm>
+          <a:prstGeom prst="rect">
+            <a:avLst/>
+          </a:prstGeom>
+          <a:noFill/>
+        </p:spPr>
+        <p:txBody>
+          <a:bodyPr wrap="none" rtlCol="0">
+            <a:spAutoFit/>
+          </a:bodyPr>
+          <a:lstStyle/>
+          <a:p>
+            <a:r>
+              <a:rPr lang="en-US" sz="800" dirty="0" smtClean="0"/>
+              <a:t>&lt;-double </a:t>
+            </a:r>
+            <a:r>
+              <a:rPr lang="en-US" sz="800" dirty="0" err="1" smtClean="0"/>
+              <a:t>avgTime</a:t>
+            </a:r>
+            <a:endParaRPr lang="en-US" sz="800" dirty="0" smtClean="0"/>
+          </a:p>
+        </p:txBody>
+      </p:sp>
+      <p:sp>
+        <p:nvSpPr>
+          <p:cNvPr id="74" name="TextBox 73"/>
+          <p:cNvSpPr txBox="1"/>
+          <p:nvPr/>
+        </p:nvSpPr>
+        <p:spPr>
+          <a:xfrm>
+            <a:off x="3726943" y="2143701"/>
+            <a:ext cx="463288" cy="215444"/>
+          </a:xfrm>
+          <a:prstGeom prst="rect">
+            <a:avLst/>
+          </a:prstGeom>
+          <a:noFill/>
+        </p:spPr>
+        <p:txBody>
+          <a:bodyPr wrap="none" rtlCol="0">
+            <a:spAutoFit/>
+          </a:bodyPr>
+          <a:lstStyle/>
+          <a:p>
+            <a:r>
+              <a:rPr lang="en-US" sz="800" dirty="0" smtClean="0"/>
+              <a:t>-&gt;seed</a:t>
+            </a:r>
+            <a:endParaRPr lang="en-US" sz="800" dirty="0"/>
+          </a:p>
+        </p:txBody>
+      </p:sp>
+      <p:cxnSp>
+        <p:nvCxnSpPr>
+          <p:cNvPr id="76" name="Elbow Connector 75"/>
+          <p:cNvCxnSpPr>
+            <a:stCxn id="5" idx="3"/>
+            <a:endCxn id="43" idx="1"/>
+          </p:cNvCxnSpPr>
+          <p:nvPr/>
+        </p:nvCxnSpPr>
+        <p:spPr>
+          <a:xfrm>
+            <a:off x="1131375" y="3262579"/>
+            <a:ext cx="330623" cy="982030"/>
+          </a:xfrm>
+          <a:prstGeom prst="bentConnector3">
+            <a:avLst>
+              <a:gd name="adj1" fmla="val 50000"/>
+            </a:avLst>
+          </a:prstGeom>
+          <a:ln w="12700" cmpd="sng">
+            <a:solidFill>
+              <a:srgbClr val="000000"/>
+            </a:solidFill>
+          </a:ln>
+          <a:effectLst/>
+        </p:spPr>
+        <p:style>
+          <a:lnRef idx="2">
+            <a:schemeClr val="accent1"/>
+          </a:lnRef>
+          <a:fillRef idx="0">
+            <a:schemeClr val="accent1"/>
+          </a:fillRef>
+          <a:effectRef idx="1">
+            <a:schemeClr val="accent1"/>
+          </a:effectRef>
+          <a:fontRef idx="minor">
+            <a:schemeClr val="tx1"/>
+          </a:fontRef>
+        </p:style>
+      </p:cxnSp>
+      <p:sp>
+        <p:nvSpPr>
+          <p:cNvPr id="80" name="TextBox 79"/>
+          <p:cNvSpPr txBox="1"/>
+          <p:nvPr/>
+        </p:nvSpPr>
+        <p:spPr>
+          <a:xfrm>
+            <a:off x="949702" y="4416785"/>
+            <a:ext cx="1399341" cy="215444"/>
+          </a:xfrm>
+          <a:prstGeom prst="rect">
+            <a:avLst/>
+          </a:prstGeom>
+          <a:noFill/>
+        </p:spPr>
+        <p:txBody>
+          <a:bodyPr wrap="square" rtlCol="0">
+            <a:spAutoFit/>
+          </a:bodyPr>
+          <a:lstStyle/>
+          <a:p>
+            <a:r>
+              <a:rPr lang="en-US" sz="800" dirty="0" smtClean="0"/>
+              <a:t>-&gt;</a:t>
+            </a:r>
+            <a:r>
+              <a:rPr lang="en-US" sz="800" dirty="0" err="1" smtClean="0"/>
+              <a:t>optionArray</a:t>
+            </a:r>
+            <a:r>
+              <a:rPr lang="en-US" sz="800" dirty="0" smtClean="0"/>
+              <a:t>[]</a:t>
+            </a:r>
+            <a:endParaRPr lang="en-US" sz="800" dirty="0"/>
+          </a:p>
+        </p:txBody>
+      </p:sp>
+      <p:sp>
+        <p:nvSpPr>
+          <p:cNvPr id="81" name="Rectangle 80"/>
+          <p:cNvSpPr/>
+          <p:nvPr/>
+        </p:nvSpPr>
+        <p:spPr>
+          <a:xfrm>
+            <a:off x="2336807" y="2630303"/>
+            <a:ext cx="887045" cy="312095"/>
+          </a:xfrm>
+          <a:prstGeom prst="rect">
+            <a:avLst/>
+          </a:prstGeom>
+          <a:noFill/>
+          <a:ln>
+            <a:solidFill>
+              <a:schemeClr val="tx1"/>
+            </a:solidFill>
+          </a:ln>
+          <a:effectLst/>
+        </p:spPr>
+        <p:style>
+          <a:lnRef idx="1">
+            <a:schemeClr val="accent1"/>
+          </a:lnRef>
+          <a:fillRef idx="3">
+            <a:schemeClr val="accent1"/>
+          </a:fillRef>
+          <a:effectRef idx="2">
+            <a:schemeClr val="accent1"/>
+          </a:effectRef>
+          <a:fontRef idx="minor">
+            <a:schemeClr val="lt1"/>
+          </a:fontRef>
+        </p:style>
+        <p:txBody>
+          <a:bodyPr rtlCol="0" anchor="ctr"/>
+          <a:lstStyle/>
+          <a:p>
+            <a:pPr algn="ctr"/>
+            <a:r>
+              <a:rPr lang="en-US" sz="1000" dirty="0" err="1" smtClean="0">
+                <a:solidFill>
+                  <a:schemeClr val="tx1"/>
+                </a:solidFill>
+              </a:rPr>
+              <a:t>copyArray</a:t>
+            </a:r>
+            <a:r>
+              <a:rPr lang="en-US" sz="1000" dirty="0" smtClean="0">
+                <a:solidFill>
+                  <a:schemeClr val="tx1"/>
+                </a:solidFill>
+              </a:rPr>
+              <a:t>(</a:t>
+            </a:r>
+            <a:r>
+              <a:rPr lang="en-US" sz="1000" dirty="0" smtClean="0">
+                <a:solidFill>
+                  <a:schemeClr val="tx1"/>
+                </a:solidFill>
+              </a:rPr>
+              <a:t>)</a:t>
+            </a:r>
+            <a:endParaRPr lang="en-US" sz="1000" dirty="0">
+              <a:solidFill>
+                <a:schemeClr val="tx1"/>
+              </a:solidFill>
+            </a:endParaRPr>
+          </a:p>
+        </p:txBody>
+      </p:sp>
+      <p:cxnSp>
+        <p:nvCxnSpPr>
+          <p:cNvPr id="84" name="Elbow Connector 83"/>
+          <p:cNvCxnSpPr>
+            <a:stCxn id="43" idx="0"/>
+            <a:endCxn id="81" idx="1"/>
+          </p:cNvCxnSpPr>
+          <p:nvPr/>
+        </p:nvCxnSpPr>
+        <p:spPr>
+          <a:xfrm rot="5400000" flipH="1" flipV="1">
+            <a:off x="1470059" y="3221813"/>
+            <a:ext cx="1302210" cy="431286"/>
+          </a:xfrm>
+          <a:prstGeom prst="bentConnector2">
+            <a:avLst/>
+          </a:prstGeom>
+          <a:ln w="12700" cmpd="sng">
+            <a:solidFill>
+              <a:srgbClr val="000000"/>
+            </a:solidFill>
+          </a:ln>
+          <a:effectLst/>
+        </p:spPr>
+        <p:style>
+          <a:lnRef idx="2">
+            <a:schemeClr val="accent1"/>
+          </a:lnRef>
+          <a:fillRef idx="0">
+            <a:schemeClr val="accent1"/>
+          </a:fillRef>
+          <a:effectRef idx="1">
+            <a:schemeClr val="accent1"/>
+          </a:effectRef>
+          <a:fontRef idx="minor">
+            <a:schemeClr val="tx1"/>
+          </a:fontRef>
+        </p:style>
+      </p:cxnSp>
+      <p:sp>
+        <p:nvSpPr>
+          <p:cNvPr id="86" name="TextBox 85"/>
+          <p:cNvSpPr txBox="1"/>
+          <p:nvPr/>
+        </p:nvSpPr>
+        <p:spPr>
+          <a:xfrm>
+            <a:off x="1907145" y="2825128"/>
+            <a:ext cx="441898" cy="215444"/>
+          </a:xfrm>
+          <a:prstGeom prst="rect">
+            <a:avLst/>
+          </a:prstGeom>
+          <a:noFill/>
+        </p:spPr>
+        <p:txBody>
+          <a:bodyPr wrap="none" rtlCol="0">
+            <a:spAutoFit/>
+          </a:bodyPr>
+          <a:lstStyle/>
+          <a:p>
+            <a:r>
+              <a:rPr lang="en-US" sz="800" dirty="0" smtClean="0"/>
+              <a:t>-&gt;</a:t>
+            </a:r>
+            <a:r>
+              <a:rPr lang="en-US" sz="800" dirty="0" err="1" smtClean="0"/>
+              <a:t>int</a:t>
+            </a:r>
+            <a:r>
+              <a:rPr lang="en-US" sz="800" dirty="0" smtClean="0"/>
+              <a:t>[]</a:t>
+            </a:r>
+            <a:endParaRPr lang="en-US" sz="800" dirty="0"/>
           </a:p>
         </p:txBody>
       </p:sp>

--- a/sort program flow.pptx
+++ b/sort program flow.pptx
@@ -288,7 +288,7 @@
           <a:p>
             <a:fld id="{92808099-EDD1-6243-8408-94811A3E3332}" type="datetimeFigureOut">
               <a:rPr lang="en-US" smtClean="0"/>
-              <a:t>4/4/15</a:t>
+              <a:t>4/12/15</a:t>
             </a:fld>
             <a:endParaRPr lang="en-US"/>
           </a:p>
@@ -458,7 +458,7 @@
           <a:p>
             <a:fld id="{92808099-EDD1-6243-8408-94811A3E3332}" type="datetimeFigureOut">
               <a:rPr lang="en-US" smtClean="0"/>
-              <a:t>4/4/15</a:t>
+              <a:t>4/12/15</a:t>
             </a:fld>
             <a:endParaRPr lang="en-US"/>
           </a:p>
@@ -638,7 +638,7 @@
           <a:p>
             <a:fld id="{92808099-EDD1-6243-8408-94811A3E3332}" type="datetimeFigureOut">
               <a:rPr lang="en-US" smtClean="0"/>
-              <a:t>4/4/15</a:t>
+              <a:t>4/12/15</a:t>
             </a:fld>
             <a:endParaRPr lang="en-US"/>
           </a:p>
@@ -808,7 +808,7 @@
           <a:p>
             <a:fld id="{92808099-EDD1-6243-8408-94811A3E3332}" type="datetimeFigureOut">
               <a:rPr lang="en-US" smtClean="0"/>
-              <a:t>4/4/15</a:t>
+              <a:t>4/12/15</a:t>
             </a:fld>
             <a:endParaRPr lang="en-US"/>
           </a:p>
@@ -1054,7 +1054,7 @@
           <a:p>
             <a:fld id="{92808099-EDD1-6243-8408-94811A3E3332}" type="datetimeFigureOut">
               <a:rPr lang="en-US" smtClean="0"/>
-              <a:t>4/4/15</a:t>
+              <a:t>4/12/15</a:t>
             </a:fld>
             <a:endParaRPr lang="en-US"/>
           </a:p>
@@ -1342,7 +1342,7 @@
           <a:p>
             <a:fld id="{92808099-EDD1-6243-8408-94811A3E3332}" type="datetimeFigureOut">
               <a:rPr lang="en-US" smtClean="0"/>
-              <a:t>4/4/15</a:t>
+              <a:t>4/12/15</a:t>
             </a:fld>
             <a:endParaRPr lang="en-US"/>
           </a:p>
@@ -1764,7 +1764,7 @@
           <a:p>
             <a:fld id="{92808099-EDD1-6243-8408-94811A3E3332}" type="datetimeFigureOut">
               <a:rPr lang="en-US" smtClean="0"/>
-              <a:t>4/4/15</a:t>
+              <a:t>4/12/15</a:t>
             </a:fld>
             <a:endParaRPr lang="en-US"/>
           </a:p>
@@ -1882,7 +1882,7 @@
           <a:p>
             <a:fld id="{92808099-EDD1-6243-8408-94811A3E3332}" type="datetimeFigureOut">
               <a:rPr lang="en-US" smtClean="0"/>
-              <a:t>4/4/15</a:t>
+              <a:t>4/12/15</a:t>
             </a:fld>
             <a:endParaRPr lang="en-US"/>
           </a:p>
@@ -1977,7 +1977,7 @@
           <a:p>
             <a:fld id="{92808099-EDD1-6243-8408-94811A3E3332}" type="datetimeFigureOut">
               <a:rPr lang="en-US" smtClean="0"/>
-              <a:t>4/4/15</a:t>
+              <a:t>4/12/15</a:t>
             </a:fld>
             <a:endParaRPr lang="en-US"/>
           </a:p>
@@ -2254,7 +2254,7 @@
           <a:p>
             <a:fld id="{92808099-EDD1-6243-8408-94811A3E3332}" type="datetimeFigureOut">
               <a:rPr lang="en-US" smtClean="0"/>
-              <a:t>4/4/15</a:t>
+              <a:t>4/12/15</a:t>
             </a:fld>
             <a:endParaRPr lang="en-US"/>
           </a:p>
@@ -2507,7 +2507,7 @@
           <a:p>
             <a:fld id="{92808099-EDD1-6243-8408-94811A3E3332}" type="datetimeFigureOut">
               <a:rPr lang="en-US" smtClean="0"/>
-              <a:t>4/4/15</a:t>
+              <a:t>4/12/15</a:t>
             </a:fld>
             <a:endParaRPr lang="en-US"/>
           </a:p>
@@ -2720,7 +2720,7 @@
           <a:p>
             <a:fld id="{92808099-EDD1-6243-8408-94811A3E3332}" type="datetimeFigureOut">
               <a:rPr lang="en-US" smtClean="0"/>
-              <a:t>4/4/15</a:t>
+              <a:t>4/12/15</a:t>
             </a:fld>
             <a:endParaRPr lang="en-US"/>
           </a:p>
@@ -3290,7 +3290,7 @@
         </p:nvSpPr>
         <p:spPr>
           <a:xfrm>
-            <a:off x="4619907" y="242142"/>
+            <a:off x="2751216" y="742491"/>
             <a:ext cx="1345299" cy="312095"/>
           </a:xfrm>
           <a:prstGeom prst="rect">
@@ -3337,15 +3337,15 @@
                   <a:schemeClr val="tx1"/>
                 </a:solidFill>
               </a:rPr>
-              <a:t>(): </a:t>
-            </a:r>
-            <a:r>
-              <a:rPr lang="en-US" sz="1000" dirty="0" err="1" smtClean="0">
+              <a:t>(</a:t>
+            </a:r>
+            <a:r>
+              <a:rPr lang="en-US" sz="1000" dirty="0" smtClean="0">
                 <a:solidFill>
                   <a:schemeClr val="tx1"/>
                 </a:solidFill>
               </a:rPr>
-              <a:t>int</a:t>
+              <a:t>)</a:t>
             </a:r>
             <a:endParaRPr lang="en-US" sz="1000" dirty="0">
               <a:solidFill>
@@ -3424,18 +3424,20 @@
         <p:nvCxnSpPr>
           <p:cNvPr id="12" name="Elbow Connector 11"/>
           <p:cNvCxnSpPr>
-            <a:stCxn id="4" idx="3"/>
+            <a:stCxn id="5" idx="3"/>
             <a:endCxn id="7" idx="1"/>
           </p:cNvCxnSpPr>
           <p:nvPr/>
         </p:nvCxnSpPr>
         <p:spPr>
-          <a:xfrm>
-            <a:off x="3694342" y="398190"/>
-            <a:ext cx="925565" cy="12700"/>
+          <a:xfrm flipV="1">
+            <a:off x="1131375" y="898539"/>
+            <a:ext cx="1619841" cy="2364040"/>
           </a:xfrm>
           <a:prstGeom prst="bentConnector3">
-            <a:avLst/>
+            <a:avLst>
+              <a:gd name="adj1" fmla="val 37781"/>
+            </a:avLst>
           </a:prstGeom>
           <a:ln w="12700" cmpd="sng">
             <a:solidFill>
@@ -3467,8 +3469,8 @@
         </p:nvSpPr>
         <p:spPr>
           <a:xfrm>
-            <a:off x="3784147" y="215445"/>
-            <a:ext cx="939680" cy="338554"/>
+            <a:off x="4027587" y="573214"/>
+            <a:ext cx="694721" cy="338554"/>
           </a:xfrm>
           <a:prstGeom prst="rect">
             <a:avLst/>
@@ -3483,13 +3485,21 @@
           <a:p>
             <a:r>
               <a:rPr lang="en-US" sz="800" dirty="0" smtClean="0"/>
-              <a:t>1. get sort choices</a:t>
-            </a:r>
-          </a:p>
-          <a:p>
-            <a:r>
-              <a:rPr lang="en-US" sz="800" dirty="0" smtClean="0"/>
-              <a:t>2. get loop count</a:t>
+              <a:t>-&gt;display</a:t>
+            </a:r>
+          </a:p>
+          <a:p>
+            <a:r>
+              <a:rPr lang="en-US" sz="800" dirty="0" smtClean="0"/>
+              <a:t>&lt;- </a:t>
+            </a:r>
+            <a:r>
+              <a:rPr lang="en-US" sz="800" dirty="0" err="1" smtClean="0"/>
+              <a:t>int</a:t>
+            </a:r>
+            <a:r>
+              <a:rPr lang="en-US" sz="800" dirty="0" smtClean="0"/>
+              <a:t> choice</a:t>
             </a:r>
             <a:endParaRPr lang="en-US" sz="800" dirty="0"/>
           </a:p>
@@ -3643,7 +3653,7 @@
         </p:nvSpPr>
         <p:spPr>
           <a:xfrm>
-            <a:off x="7585570" y="2143701"/>
+            <a:off x="6200068" y="2143701"/>
             <a:ext cx="983172" cy="312095"/>
           </a:xfrm>
           <a:prstGeom prst="rect">
@@ -3708,7 +3718,7 @@
         </p:nvSpPr>
         <p:spPr>
           <a:xfrm>
-            <a:off x="7585570" y="2669080"/>
+            <a:off x="6200068" y="2669080"/>
             <a:ext cx="983172" cy="312095"/>
           </a:xfrm>
           <a:prstGeom prst="rect">
@@ -3773,7 +3783,7 @@
         </p:nvSpPr>
         <p:spPr>
           <a:xfrm>
-            <a:off x="7585570" y="3224087"/>
+            <a:off x="6200068" y="3224087"/>
             <a:ext cx="983172" cy="312095"/>
           </a:xfrm>
           <a:prstGeom prst="rect">
@@ -3838,7 +3848,7 @@
         </p:nvSpPr>
         <p:spPr>
           <a:xfrm>
-            <a:off x="7585570" y="3777103"/>
+            <a:off x="6200068" y="3777103"/>
             <a:ext cx="983172" cy="312095"/>
           </a:xfrm>
           <a:prstGeom prst="rect">
@@ -4050,8 +4060,8 @@
         </p:nvSpPr>
         <p:spPr>
           <a:xfrm>
-            <a:off x="1007668" y="678763"/>
-            <a:ext cx="1399341" cy="215444"/>
+            <a:off x="1751946" y="683095"/>
+            <a:ext cx="999270" cy="215444"/>
           </a:xfrm>
           <a:prstGeom prst="rect">
             <a:avLst/>
@@ -4127,8 +4137,8 @@
         </p:nvSpPr>
         <p:spPr>
           <a:xfrm>
-            <a:off x="1862146" y="1303358"/>
-            <a:ext cx="441898" cy="215444"/>
+            <a:off x="1862146" y="1252465"/>
+            <a:ext cx="430076" cy="338554"/>
           </a:xfrm>
           <a:prstGeom prst="rect">
             <a:avLst/>
@@ -4149,9 +4159,20 @@
               <a:rPr lang="en-US" sz="800" dirty="0" err="1" smtClean="0"/>
               <a:t>int</a:t>
             </a:r>
-            <a:r>
-              <a:rPr lang="en-US" sz="800" dirty="0" smtClean="0"/>
-              <a:t>[]</a:t>
+            <a:endParaRPr lang="en-US" sz="800" dirty="0"/>
+          </a:p>
+          <a:p>
+            <a:r>
+              <a:rPr lang="en-US" sz="800" dirty="0" smtClean="0"/>
+              <a:t>&lt;-</a:t>
+            </a:r>
+            <a:r>
+              <a:rPr lang="en-US" sz="800" dirty="0" err="1" smtClean="0"/>
+              <a:t>int</a:t>
+            </a:r>
+            <a:r>
+              <a:rPr lang="en-US" sz="800" dirty="0" smtClean="0"/>
+              <a:t>*</a:t>
             </a:r>
             <a:endParaRPr lang="en-US" sz="800" dirty="0"/>
           </a:p>
@@ -4238,8 +4259,8 @@
         </p:nvSpPr>
         <p:spPr>
           <a:xfrm>
-            <a:off x="1862146" y="1984171"/>
-            <a:ext cx="441898" cy="215444"/>
+            <a:off x="1862146" y="1918195"/>
+            <a:ext cx="585767" cy="338554"/>
           </a:xfrm>
           <a:prstGeom prst="rect">
             <a:avLst/>
@@ -4262,7 +4283,26 @@
             </a:r>
             <a:r>
               <a:rPr lang="en-US" sz="800" dirty="0" smtClean="0"/>
-              <a:t>[]</a:t>
+              <a:t>[</a:t>
+            </a:r>
+            <a:r>
+              <a:rPr lang="en-US" sz="800" dirty="0" smtClean="0"/>
+              <a:t>] </a:t>
+            </a:r>
+            <a:r>
+              <a:rPr lang="en-US" sz="800" dirty="0" err="1" smtClean="0"/>
+              <a:t>arr</a:t>
+            </a:r>
+            <a:endParaRPr lang="en-US" sz="800" dirty="0" smtClean="0"/>
+          </a:p>
+          <a:p>
+            <a:r>
+              <a:rPr lang="en-US" sz="800" dirty="0" smtClean="0"/>
+              <a:t>-&gt;</a:t>
+            </a:r>
+            <a:r>
+              <a:rPr lang="en-US" sz="800" dirty="0" err="1" smtClean="0"/>
+              <a:t>int</a:t>
             </a:r>
             <a:endParaRPr lang="en-US" sz="800" dirty="0"/>
           </a:p>
@@ -4276,7 +4316,7 @@
         </p:nvSpPr>
         <p:spPr>
           <a:xfrm>
-            <a:off x="3216938" y="3118545"/>
+            <a:off x="3254783" y="2689899"/>
             <a:ext cx="879117" cy="461665"/>
           </a:xfrm>
           <a:prstGeom prst="rect">
@@ -4350,11 +4390,11 @@
         <p:spPr>
           <a:xfrm flipV="1">
             <a:off x="5007247" y="2299749"/>
-            <a:ext cx="2578323" cy="851815"/>
+            <a:ext cx="1192821" cy="851815"/>
           </a:xfrm>
           <a:prstGeom prst="bentConnector3">
             <a:avLst>
-              <a:gd name="adj1" fmla="val 50000"/>
+              <a:gd name="adj1" fmla="val 72125"/>
             </a:avLst>
           </a:prstGeom>
           <a:ln w="12700" cmpd="sng">
@@ -4391,11 +4431,11 @@
         <p:spPr>
           <a:xfrm flipV="1">
             <a:off x="5007247" y="2825128"/>
-            <a:ext cx="2578323" cy="326436"/>
+            <a:ext cx="1192821" cy="326436"/>
           </a:xfrm>
           <a:prstGeom prst="bentConnector3">
             <a:avLst>
-              <a:gd name="adj1" fmla="val 50000"/>
+              <a:gd name="adj1" fmla="val 72125"/>
             </a:avLst>
           </a:prstGeom>
           <a:ln w="12700" cmpd="sng">
@@ -4432,11 +4472,11 @@
         <p:spPr>
           <a:xfrm>
             <a:off x="5007247" y="3151564"/>
-            <a:ext cx="2578323" cy="228571"/>
+            <a:ext cx="1192821" cy="228571"/>
           </a:xfrm>
           <a:prstGeom prst="bentConnector3">
             <a:avLst>
-              <a:gd name="adj1" fmla="val 50000"/>
+              <a:gd name="adj1" fmla="val 72125"/>
             </a:avLst>
           </a:prstGeom>
           <a:ln w="12700" cmpd="sng">
@@ -4473,7 +4513,163 @@
         <p:spPr>
           <a:xfrm>
             <a:off x="5007247" y="3151564"/>
-            <a:ext cx="2578323" cy="781587"/>
+            <a:ext cx="1192821" cy="781587"/>
+          </a:xfrm>
+          <a:prstGeom prst="bentConnector3">
+            <a:avLst>
+              <a:gd name="adj1" fmla="val 72125"/>
+            </a:avLst>
+          </a:prstGeom>
+          <a:ln w="12700" cmpd="sng">
+            <a:solidFill>
+              <a:srgbClr val="000000"/>
+            </a:solidFill>
+          </a:ln>
+          <a:effectLst/>
+        </p:spPr>
+        <p:style>
+          <a:lnRef idx="2">
+            <a:schemeClr val="accent1"/>
+          </a:lnRef>
+          <a:fillRef idx="0">
+            <a:schemeClr val="accent1"/>
+          </a:fillRef>
+          <a:effectRef idx="1">
+            <a:schemeClr val="accent1"/>
+          </a:effectRef>
+          <a:fontRef idx="minor">
+            <a:schemeClr val="tx1"/>
+          </a:fontRef>
+        </p:style>
+      </p:cxnSp>
+      <p:sp>
+        <p:nvSpPr>
+          <p:cNvPr id="61" name="TextBox 60"/>
+          <p:cNvSpPr txBox="1"/>
+          <p:nvPr/>
+        </p:nvSpPr>
+        <p:spPr>
+          <a:xfrm>
+            <a:off x="4947319" y="2942398"/>
+            <a:ext cx="608961" cy="215444"/>
+          </a:xfrm>
+          <a:prstGeom prst="rect">
+            <a:avLst/>
+          </a:prstGeom>
+          <a:noFill/>
+        </p:spPr>
+        <p:txBody>
+          <a:bodyPr wrap="none" rtlCol="0">
+            <a:spAutoFit/>
+          </a:bodyPr>
+          <a:lstStyle/>
+          <a:p>
+            <a:r>
+              <a:rPr lang="en-US" sz="800" dirty="0" smtClean="0"/>
+              <a:t>-&gt; </a:t>
+            </a:r>
+            <a:r>
+              <a:rPr lang="en-US" sz="800" dirty="0" err="1" smtClean="0"/>
+              <a:t>int</a:t>
+            </a:r>
+            <a:r>
+              <a:rPr lang="en-US" sz="800" dirty="0" smtClean="0"/>
+              <a:t>[] </a:t>
+            </a:r>
+            <a:r>
+              <a:rPr lang="en-US" sz="800" dirty="0" err="1" smtClean="0"/>
+              <a:t>arr</a:t>
+            </a:r>
+            <a:endParaRPr lang="en-US" sz="800" dirty="0" smtClean="0"/>
+          </a:p>
+        </p:txBody>
+      </p:sp>
+      <p:sp>
+        <p:nvSpPr>
+          <p:cNvPr id="62" name="Rectangle 61"/>
+          <p:cNvSpPr/>
+          <p:nvPr/>
+        </p:nvSpPr>
+        <p:spPr>
+          <a:xfrm>
+            <a:off x="4232566" y="3796004"/>
+            <a:ext cx="1183084" cy="312095"/>
+          </a:xfrm>
+          <a:prstGeom prst="rect">
+            <a:avLst/>
+          </a:prstGeom>
+          <a:noFill/>
+          <a:ln>
+            <a:solidFill>
+              <a:schemeClr val="tx1"/>
+            </a:solidFill>
+          </a:ln>
+          <a:effectLst/>
+        </p:spPr>
+        <p:style>
+          <a:lnRef idx="1">
+            <a:schemeClr val="accent1"/>
+          </a:lnRef>
+          <a:fillRef idx="3">
+            <a:schemeClr val="accent1"/>
+          </a:fillRef>
+          <a:effectRef idx="2">
+            <a:schemeClr val="accent1"/>
+          </a:effectRef>
+          <a:fontRef idx="minor">
+            <a:schemeClr val="lt1"/>
+          </a:fontRef>
+        </p:style>
+        <p:txBody>
+          <a:bodyPr rtlCol="0" anchor="ctr"/>
+          <a:lstStyle/>
+          <a:p>
+            <a:pPr algn="ctr"/>
+            <a:r>
+              <a:rPr lang="en-US" sz="1000" dirty="0" err="1" smtClean="0">
+                <a:solidFill>
+                  <a:schemeClr val="tx1"/>
+                </a:solidFill>
+              </a:rPr>
+              <a:t>validateSort</a:t>
+            </a:r>
+            <a:r>
+              <a:rPr lang="en-US" sz="1000" dirty="0" smtClean="0">
+                <a:solidFill>
+                  <a:schemeClr val="tx1"/>
+                </a:solidFill>
+              </a:rPr>
+              <a:t>(</a:t>
+            </a:r>
+            <a:r>
+              <a:rPr lang="en-US" sz="1000" dirty="0" smtClean="0">
+                <a:solidFill>
+                  <a:schemeClr val="tx1"/>
+                </a:solidFill>
+              </a:rPr>
+              <a:t>)</a:t>
+            </a:r>
+            <a:endParaRPr lang="en-US" sz="1000" dirty="0">
+              <a:solidFill>
+                <a:schemeClr val="tx1"/>
+              </a:solidFill>
+            </a:endParaRPr>
+          </a:p>
+        </p:txBody>
+      </p:sp>
+      <p:cxnSp>
+        <p:nvCxnSpPr>
+          <p:cNvPr id="63" name="Elbow Connector 62"/>
+          <p:cNvCxnSpPr>
+            <a:stCxn id="43" idx="3"/>
+            <a:endCxn id="62" idx="1"/>
+          </p:cNvCxnSpPr>
+          <p:nvPr/>
+        </p:nvCxnSpPr>
+        <p:spPr>
+          <a:xfrm flipV="1">
+            <a:off x="2349043" y="3952052"/>
+            <a:ext cx="1883523" cy="292557"/>
           </a:xfrm>
           <a:prstGeom prst="bentConnector3">
             <a:avLst>
@@ -4504,14 +4700,14 @@
       </p:cxnSp>
       <p:sp>
         <p:nvSpPr>
-          <p:cNvPr id="61" name="TextBox 60"/>
+          <p:cNvPr id="66" name="TextBox 65"/>
           <p:cNvSpPr txBox="1"/>
           <p:nvPr/>
         </p:nvSpPr>
         <p:spPr>
           <a:xfrm>
-            <a:off x="4947319" y="2942398"/>
-            <a:ext cx="879117" cy="215444"/>
+            <a:off x="3254783" y="3637040"/>
+            <a:ext cx="855923" cy="338554"/>
           </a:xfrm>
           <a:prstGeom prst="rect">
             <a:avLst/>
@@ -4526,7 +4722,7 @@
           <a:p>
             <a:r>
               <a:rPr lang="en-US" sz="800" dirty="0" smtClean="0"/>
-              <a:t>-&gt; </a:t>
+              <a:t>-&gt;</a:t>
             </a:r>
             <a:r>
               <a:rPr lang="en-US" sz="800" dirty="0" err="1" smtClean="0"/>
@@ -4542,21 +4738,36 @@
             </a:r>
             <a:r>
               <a:rPr lang="en-US" sz="800" dirty="0" smtClean="0"/>
-              <a:t>[]</a:t>
-            </a:r>
-          </a:p>
-        </p:txBody>
-      </p:sp>
-      <p:sp>
-        <p:nvSpPr>
-          <p:cNvPr id="62" name="Rectangle 61"/>
+              <a:t>[</a:t>
+            </a:r>
+            <a:r>
+              <a:rPr lang="en-US" sz="800" dirty="0" smtClean="0"/>
+              <a:t>]</a:t>
+            </a:r>
+          </a:p>
+          <a:p>
+            <a:r>
+              <a:rPr lang="en-US" sz="800" dirty="0" smtClean="0"/>
+              <a:t>-&gt;</a:t>
+            </a:r>
+            <a:r>
+              <a:rPr lang="en-US" sz="800" dirty="0" err="1" smtClean="0"/>
+              <a:t>int</a:t>
+            </a:r>
+            <a:endParaRPr lang="en-US" sz="800" dirty="0" smtClean="0"/>
+          </a:p>
+        </p:txBody>
+      </p:sp>
+      <p:sp>
+        <p:nvSpPr>
+          <p:cNvPr id="67" name="Rectangle 66"/>
           <p:cNvSpPr/>
           <p:nvPr/>
         </p:nvSpPr>
         <p:spPr>
           <a:xfrm>
-            <a:off x="4232566" y="3796004"/>
-            <a:ext cx="774681" cy="312095"/>
+            <a:off x="4232566" y="4416785"/>
+            <a:ext cx="965912" cy="312095"/>
           </a:xfrm>
           <a:prstGeom prst="rect">
             <a:avLst/>
@@ -4589,12 +4800,20 @@
           <a:p>
             <a:pPr algn="ctr"/>
             <a:r>
+              <a:rPr lang="en-US" sz="1000" dirty="0" err="1" smtClean="0">
+                <a:solidFill>
+                  <a:schemeClr val="tx1"/>
+                </a:solidFill>
+              </a:rPr>
+              <a:t>getAvgTime</a:t>
+            </a:r>
+            <a:r>
               <a:rPr lang="en-US" sz="1000" dirty="0" smtClean="0">
                 <a:solidFill>
                   <a:schemeClr val="tx1"/>
                 </a:solidFill>
               </a:rPr>
-              <a:t>validate()</a:t>
+              <a:t>()</a:t>
             </a:r>
             <a:endParaRPr lang="en-US" sz="1000" dirty="0">
               <a:solidFill>
@@ -4606,17 +4825,17 @@
       </p:sp>
       <p:cxnSp>
         <p:nvCxnSpPr>
-          <p:cNvPr id="63" name="Elbow Connector 62"/>
+          <p:cNvPr id="68" name="Elbow Connector 67"/>
           <p:cNvCxnSpPr>
             <a:stCxn id="43" idx="3"/>
-            <a:endCxn id="62" idx="1"/>
+            <a:endCxn id="67" idx="1"/>
           </p:cNvCxnSpPr>
           <p:nvPr/>
         </p:nvCxnSpPr>
         <p:spPr>
-          <a:xfrm flipV="1">
-            <a:off x="2349043" y="3952052"/>
-            <a:ext cx="1883523" cy="292557"/>
+          <a:xfrm>
+            <a:off x="2349043" y="4244609"/>
+            <a:ext cx="1883523" cy="328224"/>
           </a:xfrm>
           <a:prstGeom prst="bentConnector3">
             <a:avLst>
@@ -4647,59 +4866,14 @@
       </p:cxnSp>
       <p:sp>
         <p:nvSpPr>
-          <p:cNvPr id="66" name="TextBox 65"/>
-          <p:cNvSpPr txBox="1"/>
-          <p:nvPr/>
-        </p:nvSpPr>
-        <p:spPr>
-          <a:xfrm>
-            <a:off x="3241734" y="3938084"/>
-            <a:ext cx="887382" cy="215444"/>
-          </a:xfrm>
-          <a:prstGeom prst="rect">
-            <a:avLst/>
-          </a:prstGeom>
-          <a:noFill/>
-        </p:spPr>
-        <p:txBody>
-          <a:bodyPr wrap="none" rtlCol="0">
-            <a:spAutoFit/>
-          </a:bodyPr>
-          <a:lstStyle/>
-          <a:p>
-            <a:r>
-              <a:rPr lang="en-US" sz="800" dirty="0" smtClean="0"/>
-              <a:t>-&gt;</a:t>
-            </a:r>
-            <a:r>
-              <a:rPr lang="en-US" sz="800" dirty="0" err="1" smtClean="0"/>
-              <a:t>int</a:t>
-            </a:r>
-            <a:r>
-              <a:rPr lang="en-US" sz="800" dirty="0" smtClean="0"/>
-              <a:t> </a:t>
-            </a:r>
-            <a:r>
-              <a:rPr lang="en-US" sz="800" dirty="0" err="1" smtClean="0"/>
-              <a:t>sortArray</a:t>
-            </a:r>
-            <a:r>
-              <a:rPr lang="en-US" sz="800" dirty="0" smtClean="0"/>
-              <a:t>[]</a:t>
-            </a:r>
-          </a:p>
-        </p:txBody>
-      </p:sp>
-      <p:sp>
-        <p:nvSpPr>
-          <p:cNvPr id="67" name="Rectangle 66"/>
+          <p:cNvPr id="71" name="Rectangle 70"/>
           <p:cNvSpPr/>
           <p:nvPr/>
         </p:nvSpPr>
         <p:spPr>
           <a:xfrm>
-            <a:off x="4232566" y="4476181"/>
-            <a:ext cx="965912" cy="312095"/>
+            <a:off x="4240870" y="5007914"/>
+            <a:ext cx="1203125" cy="312095"/>
           </a:xfrm>
           <a:prstGeom prst="rect">
             <a:avLst/>
@@ -4737,7 +4911,7 @@
                   <a:schemeClr val="tx1"/>
                 </a:solidFill>
               </a:rPr>
-              <a:t>getAvgTime</a:t>
+              <a:t>displayRunResult</a:t>
             </a:r>
             <a:r>
               <a:rPr lang="en-US" sz="1000" dirty="0" smtClean="0">
@@ -4745,7 +4919,15 @@
                   <a:schemeClr val="tx1"/>
                 </a:solidFill>
               </a:rPr>
-              <a:t>()</a:t>
+              <a:t>(</a:t>
+            </a:r>
+            <a:r>
+              <a:rPr lang="en-US" sz="1000" dirty="0" smtClean="0">
+                <a:solidFill>
+                  <a:schemeClr val="tx1"/>
+                </a:solidFill>
+              </a:rPr>
+              <a:t>)</a:t>
             </a:r>
             <a:endParaRPr lang="en-US" sz="1000" dirty="0">
               <a:solidFill>
@@ -4757,17 +4939,17 @@
       </p:sp>
       <p:cxnSp>
         <p:nvCxnSpPr>
-          <p:cNvPr id="68" name="Elbow Connector 67"/>
+          <p:cNvPr id="72" name="Elbow Connector 71"/>
           <p:cNvCxnSpPr>
             <a:stCxn id="43" idx="3"/>
-            <a:endCxn id="67" idx="1"/>
+            <a:endCxn id="71" idx="1"/>
           </p:cNvCxnSpPr>
           <p:nvPr/>
         </p:nvCxnSpPr>
         <p:spPr>
           <a:xfrm>
             <a:off x="2349043" y="4244609"/>
-            <a:ext cx="1883523" cy="387620"/>
+            <a:ext cx="1891827" cy="919353"/>
           </a:xfrm>
           <a:prstGeom prst="bentConnector3">
             <a:avLst>
@@ -4798,13 +4980,62 @@
       </p:cxnSp>
       <p:sp>
         <p:nvSpPr>
-          <p:cNvPr id="71" name="Rectangle 70"/>
+          <p:cNvPr id="75" name="TextBox 74"/>
+          <p:cNvSpPr txBox="1"/>
+          <p:nvPr/>
+        </p:nvSpPr>
+        <p:spPr>
+          <a:xfrm>
+            <a:off x="3303949" y="5258778"/>
+            <a:ext cx="983062" cy="461665"/>
+          </a:xfrm>
+          <a:prstGeom prst="rect">
+            <a:avLst/>
+          </a:prstGeom>
+          <a:noFill/>
+        </p:spPr>
+        <p:txBody>
+          <a:bodyPr wrap="none" rtlCol="0">
+            <a:spAutoFit/>
+          </a:bodyPr>
+          <a:lstStyle/>
+          <a:p>
+            <a:r>
+              <a:rPr lang="en-US" sz="800" dirty="0" smtClean="0"/>
+              <a:t>-&gt;</a:t>
+            </a:r>
+            <a:r>
+              <a:rPr lang="en-US" sz="800" dirty="0" err="1" smtClean="0"/>
+              <a:t>int</a:t>
+            </a:r>
+            <a:r>
+              <a:rPr lang="en-US" sz="800" dirty="0" smtClean="0"/>
+              <a:t> options</a:t>
+            </a:r>
+          </a:p>
+          <a:p>
+            <a:r>
+              <a:rPr lang="en-US" sz="800" dirty="0" smtClean="0"/>
+              <a:t>-&gt;double avgTime1</a:t>
+            </a:r>
+          </a:p>
+          <a:p>
+            <a:r>
+              <a:rPr lang="en-US" sz="800" dirty="0" smtClean="0"/>
+              <a:t>-&gt;double avgTime2</a:t>
+            </a:r>
+          </a:p>
+        </p:txBody>
+      </p:sp>
+      <p:sp>
+        <p:nvSpPr>
+          <p:cNvPr id="78" name="Rectangle 77"/>
           <p:cNvSpPr/>
           <p:nvPr/>
         </p:nvSpPr>
         <p:spPr>
           <a:xfrm>
-            <a:off x="4240871" y="5115125"/>
+            <a:off x="4242662" y="6059189"/>
             <a:ext cx="965912" cy="312095"/>
           </a:xfrm>
           <a:prstGeom prst="rect">
@@ -4843,7 +5074,7 @@
                   <a:schemeClr val="tx1"/>
                 </a:solidFill>
               </a:rPr>
-              <a:t>printResults</a:t>
+              <a:t>freeMemory</a:t>
             </a:r>
             <a:r>
               <a:rPr lang="en-US" sz="1000" dirty="0" smtClean="0">
@@ -4863,17 +5094,17 @@
       </p:sp>
       <p:cxnSp>
         <p:nvCxnSpPr>
-          <p:cNvPr id="72" name="Elbow Connector 71"/>
+          <p:cNvPr id="79" name="Elbow Connector 78"/>
           <p:cNvCxnSpPr>
             <a:stCxn id="43" idx="3"/>
-            <a:endCxn id="71" idx="1"/>
+            <a:endCxn id="78" idx="1"/>
           </p:cNvCxnSpPr>
           <p:nvPr/>
         </p:nvCxnSpPr>
         <p:spPr>
           <a:xfrm>
             <a:off x="2349043" y="4244609"/>
-            <a:ext cx="1891828" cy="1026564"/>
+            <a:ext cx="1893619" cy="1970628"/>
           </a:xfrm>
           <a:prstGeom prst="bentConnector3">
             <a:avLst>
@@ -4904,14 +5135,14 @@
       </p:cxnSp>
       <p:sp>
         <p:nvSpPr>
-          <p:cNvPr id="75" name="TextBox 74"/>
+          <p:cNvPr id="83" name="TextBox 82"/>
           <p:cNvSpPr txBox="1"/>
           <p:nvPr/>
         </p:nvSpPr>
         <p:spPr>
           <a:xfrm>
-            <a:off x="3259600" y="5196387"/>
-            <a:ext cx="983062" cy="461665"/>
+            <a:off x="3309263" y="5997634"/>
+            <a:ext cx="803375" cy="215444"/>
           </a:xfrm>
           <a:prstGeom prst="rect">
             <a:avLst/>
@@ -4934,33 +5165,34 @@
             </a:r>
             <a:r>
               <a:rPr lang="en-US" sz="800" dirty="0" smtClean="0"/>
-              <a:t> options</a:t>
-            </a:r>
-          </a:p>
-          <a:p>
-            <a:r>
-              <a:rPr lang="en-US" sz="800" dirty="0" smtClean="0"/>
-              <a:t>-&gt;double avgTime1</a:t>
-            </a:r>
-          </a:p>
-          <a:p>
-            <a:r>
-              <a:rPr lang="en-US" sz="800" dirty="0" smtClean="0"/>
-              <a:t>-&gt;double avgTime2</a:t>
-            </a:r>
-          </a:p>
-        </p:txBody>
-      </p:sp>
-      <p:sp>
-        <p:nvSpPr>
-          <p:cNvPr id="78" name="Rectangle 77"/>
+              <a:t> </a:t>
+            </a:r>
+            <a:r>
+              <a:rPr lang="en-US" sz="800" dirty="0" err="1" smtClean="0"/>
+              <a:t>intArray</a:t>
+            </a:r>
+            <a:r>
+              <a:rPr lang="en-US" sz="800" dirty="0" smtClean="0"/>
+              <a:t>[</a:t>
+            </a:r>
+            <a:r>
+              <a:rPr lang="en-US" sz="800" dirty="0" smtClean="0"/>
+              <a:t>]</a:t>
+            </a:r>
+            <a:endParaRPr lang="en-US" sz="800" dirty="0" smtClean="0"/>
+          </a:p>
+        </p:txBody>
+      </p:sp>
+      <p:sp>
+        <p:nvSpPr>
+          <p:cNvPr id="43" name="Rectangle 42"/>
           <p:cNvSpPr/>
           <p:nvPr/>
         </p:nvSpPr>
         <p:spPr>
           <a:xfrm>
-            <a:off x="4242662" y="6059189"/>
-            <a:ext cx="965912" cy="312095"/>
+            <a:off x="1461998" y="4088561"/>
+            <a:ext cx="887045" cy="312095"/>
           </a:xfrm>
           <a:prstGeom prst="rect">
             <a:avLst/>
@@ -4998,7 +5230,7 @@
                   <a:schemeClr val="tx1"/>
                 </a:solidFill>
               </a:rPr>
-              <a:t>freeMemory</a:t>
+              <a:t>loopControl</a:t>
             </a:r>
             <a:r>
               <a:rPr lang="en-US" sz="1000" dirty="0" smtClean="0">
@@ -5016,19 +5248,86 @@
           </a:p>
         </p:txBody>
       </p:sp>
+      <p:sp>
+        <p:nvSpPr>
+          <p:cNvPr id="73" name="TextBox 72"/>
+          <p:cNvSpPr txBox="1"/>
+          <p:nvPr/>
+        </p:nvSpPr>
+        <p:spPr>
+          <a:xfrm>
+            <a:off x="3345184" y="4169823"/>
+            <a:ext cx="752480" cy="461665"/>
+          </a:xfrm>
+          <a:prstGeom prst="rect">
+            <a:avLst/>
+          </a:prstGeom>
+          <a:noFill/>
+        </p:spPr>
+        <p:txBody>
+          <a:bodyPr wrap="none" rtlCol="0">
+            <a:spAutoFit/>
+          </a:bodyPr>
+          <a:lstStyle/>
+          <a:p>
+            <a:r>
+              <a:rPr lang="en-US" sz="800" dirty="0" smtClean="0"/>
+              <a:t>-&gt;</a:t>
+            </a:r>
+            <a:r>
+              <a:rPr lang="en-US" sz="800" dirty="0" err="1" smtClean="0"/>
+              <a:t>int</a:t>
+            </a:r>
+            <a:r>
+              <a:rPr lang="en-US" sz="800" dirty="0" smtClean="0"/>
+              <a:t>*</a:t>
+            </a:r>
+          </a:p>
+          <a:p>
+            <a:r>
+              <a:rPr lang="en-US" sz="800" dirty="0" smtClean="0"/>
+              <a:t>-&gt;</a:t>
+            </a:r>
+            <a:r>
+              <a:rPr lang="en-US" sz="800" dirty="0" err="1" smtClean="0"/>
+              <a:t>int</a:t>
+            </a:r>
+            <a:endParaRPr lang="en-US" sz="800" dirty="0" smtClean="0"/>
+          </a:p>
+          <a:p>
+            <a:r>
+              <a:rPr lang="en-US" sz="800" dirty="0" smtClean="0"/>
+              <a:t>&lt;-</a:t>
+            </a:r>
+            <a:r>
+              <a:rPr lang="en-US" sz="800" dirty="0" err="1" smtClean="0"/>
+              <a:t>int</a:t>
+            </a:r>
+            <a:r>
+              <a:rPr lang="en-US" sz="800" dirty="0" smtClean="0"/>
+              <a:t> </a:t>
+            </a:r>
+            <a:r>
+              <a:rPr lang="en-US" sz="800" dirty="0" err="1" smtClean="0"/>
+              <a:t>avgTime</a:t>
+            </a:r>
+            <a:endParaRPr lang="en-US" sz="800" dirty="0" smtClean="0"/>
+          </a:p>
+        </p:txBody>
+      </p:sp>
       <p:cxnSp>
         <p:nvCxnSpPr>
-          <p:cNvPr id="79" name="Elbow Connector 78"/>
+          <p:cNvPr id="76" name="Elbow Connector 75"/>
           <p:cNvCxnSpPr>
-            <a:stCxn id="43" idx="3"/>
-            <a:endCxn id="78" idx="1"/>
+            <a:stCxn id="5" idx="3"/>
+            <a:endCxn id="43" idx="1"/>
           </p:cNvCxnSpPr>
           <p:nvPr/>
         </p:nvCxnSpPr>
         <p:spPr>
           <a:xfrm>
-            <a:off x="2349043" y="4244609"/>
-            <a:ext cx="1893619" cy="1970628"/>
+            <a:off x="1131375" y="3262579"/>
+            <a:ext cx="330623" cy="982030"/>
           </a:xfrm>
           <a:prstGeom prst="bentConnector3">
             <a:avLst>
@@ -5059,14 +5358,14 @@
       </p:cxnSp>
       <p:sp>
         <p:nvSpPr>
-          <p:cNvPr id="83" name="TextBox 82"/>
+          <p:cNvPr id="80" name="TextBox 79"/>
           <p:cNvSpPr txBox="1"/>
           <p:nvPr/>
         </p:nvSpPr>
         <p:spPr>
           <a:xfrm>
-            <a:off x="3325741" y="6215237"/>
-            <a:ext cx="803375" cy="338554"/>
+            <a:off x="949702" y="4416785"/>
+            <a:ext cx="1399341" cy="215444"/>
           </a:xfrm>
           <a:prstGeom prst="rect">
             <a:avLst/>
@@ -5074,7 +5373,7 @@
           <a:noFill/>
         </p:spPr>
         <p:txBody>
-          <a:bodyPr wrap="none" rtlCol="0">
+          <a:bodyPr wrap="square" rtlCol="0">
             <a:spAutoFit/>
           </a:bodyPr>
           <a:lstStyle/>
@@ -5085,46 +5384,25 @@
             </a:r>
             <a:r>
               <a:rPr lang="en-US" sz="800" dirty="0" err="1" smtClean="0"/>
-              <a:t>int</a:t>
-            </a:r>
-            <a:r>
-              <a:rPr lang="en-US" sz="800" dirty="0" smtClean="0"/>
-              <a:t> </a:t>
-            </a:r>
-            <a:r>
-              <a:rPr lang="en-US" sz="800" dirty="0" err="1" smtClean="0"/>
-              <a:t>intArray</a:t>
+              <a:t>optionArray</a:t>
             </a:r>
             <a:r>
               <a:rPr lang="en-US" sz="800" dirty="0" smtClean="0"/>
               <a:t>[]</a:t>
             </a:r>
-          </a:p>
-          <a:p>
-            <a:r>
-              <a:rPr lang="en-US" sz="800" dirty="0" smtClean="0"/>
-              <a:t>-&gt;</a:t>
-            </a:r>
-            <a:r>
-              <a:rPr lang="en-US" sz="800" dirty="0" err="1" smtClean="0"/>
-              <a:t>int</a:t>
-            </a:r>
-            <a:r>
-              <a:rPr lang="en-US" sz="800" dirty="0" smtClean="0"/>
-              <a:t> size</a:t>
-            </a:r>
-          </a:p>
-        </p:txBody>
-      </p:sp>
-      <p:sp>
-        <p:nvSpPr>
-          <p:cNvPr id="43" name="Rectangle 42"/>
+            <a:endParaRPr lang="en-US" sz="800" dirty="0"/>
+          </a:p>
+        </p:txBody>
+      </p:sp>
+      <p:sp>
+        <p:nvSpPr>
+          <p:cNvPr id="81" name="Rectangle 80"/>
           <p:cNvSpPr/>
           <p:nvPr/>
         </p:nvSpPr>
         <p:spPr>
           <a:xfrm>
-            <a:off x="1461998" y="4088561"/>
+            <a:off x="2336807" y="2630303"/>
             <a:ext cx="887045" cy="312095"/>
           </a:xfrm>
           <a:prstGeom prst="rect">
@@ -5163,7 +5441,7 @@
                   <a:schemeClr val="tx1"/>
                 </a:solidFill>
               </a:rPr>
-              <a:t>loopControl</a:t>
+              <a:t>copyArray</a:t>
             </a:r>
             <a:r>
               <a:rPr lang="en-US" sz="1000" dirty="0" smtClean="0">
@@ -5171,15 +5449,7 @@
                   <a:schemeClr val="tx1"/>
                 </a:solidFill>
               </a:rPr>
-              <a:t>(</a:t>
-            </a:r>
-            <a:r>
-              <a:rPr lang="en-US" sz="1000" dirty="0" smtClean="0">
-                <a:solidFill>
-                  <a:schemeClr val="tx1"/>
-                </a:solidFill>
-              </a:rPr>
-              <a:t>)</a:t>
+              <a:t>()</a:t>
             </a:r>
             <a:endParaRPr lang="en-US" sz="1000" dirty="0">
               <a:solidFill>
@@ -5189,16 +5459,55 @@
           </a:p>
         </p:txBody>
       </p:sp>
-      <p:sp>
-        <p:nvSpPr>
-          <p:cNvPr id="73" name="TextBox 72"/>
+      <p:cxnSp>
+        <p:nvCxnSpPr>
+          <p:cNvPr id="84" name="Elbow Connector 83"/>
+          <p:cNvCxnSpPr>
+            <a:stCxn id="43" idx="0"/>
+            <a:endCxn id="81" idx="1"/>
+          </p:cNvCxnSpPr>
+          <p:nvPr/>
+        </p:nvCxnSpPr>
+        <p:spPr>
+          <a:xfrm rot="5400000" flipH="1" flipV="1">
+            <a:off x="1470059" y="3221813"/>
+            <a:ext cx="1302210" cy="431286"/>
+          </a:xfrm>
+          <a:prstGeom prst="bentConnector2">
+            <a:avLst/>
+          </a:prstGeom>
+          <a:ln w="12700" cmpd="sng">
+            <a:solidFill>
+              <a:srgbClr val="000000"/>
+            </a:solidFill>
+          </a:ln>
+          <a:effectLst/>
+        </p:spPr>
+        <p:style>
+          <a:lnRef idx="2">
+            <a:schemeClr val="accent1"/>
+          </a:lnRef>
+          <a:fillRef idx="0">
+            <a:schemeClr val="accent1"/>
+          </a:fillRef>
+          <a:effectRef idx="1">
+            <a:schemeClr val="accent1"/>
+          </a:effectRef>
+          <a:fontRef idx="minor">
+            <a:schemeClr val="tx1"/>
+          </a:fontRef>
+        </p:style>
+      </p:cxnSp>
+      <p:sp>
+        <p:nvSpPr>
+          <p:cNvPr id="86" name="TextBox 85"/>
           <p:cNvSpPr txBox="1"/>
           <p:nvPr/>
         </p:nvSpPr>
         <p:spPr>
           <a:xfrm>
-            <a:off x="3345184" y="4426648"/>
-            <a:ext cx="931064" cy="215444"/>
+            <a:off x="1894909" y="2756754"/>
+            <a:ext cx="441898" cy="338554"/>
           </a:xfrm>
           <a:prstGeom prst="rect">
             <a:avLst/>
@@ -5213,59 +5522,116 @@
           <a:p>
             <a:r>
               <a:rPr lang="en-US" sz="800" dirty="0" smtClean="0"/>
-              <a:t>&lt;-double </a:t>
+              <a:t>-&gt;</a:t>
             </a:r>
             <a:r>
               <a:rPr lang="en-US" sz="800" dirty="0" err="1" smtClean="0"/>
-              <a:t>avgTime</a:t>
-            </a:r>
-            <a:endParaRPr lang="en-US" sz="800" dirty="0" smtClean="0"/>
-          </a:p>
-        </p:txBody>
-      </p:sp>
-      <p:sp>
-        <p:nvSpPr>
-          <p:cNvPr id="74" name="TextBox 73"/>
-          <p:cNvSpPr txBox="1"/>
+              <a:t>int</a:t>
+            </a:r>
+            <a:r>
+              <a:rPr lang="en-US" sz="800" dirty="0" smtClean="0"/>
+              <a:t>[</a:t>
+            </a:r>
+            <a:r>
+              <a:rPr lang="en-US" sz="800" dirty="0" smtClean="0"/>
+              <a:t>]</a:t>
+            </a:r>
+          </a:p>
+          <a:p>
+            <a:r>
+              <a:rPr lang="en-US" sz="800" dirty="0" smtClean="0"/>
+              <a:t>-&gt;</a:t>
+            </a:r>
+            <a:r>
+              <a:rPr lang="en-US" sz="800" dirty="0" err="1" smtClean="0"/>
+              <a:t>int</a:t>
+            </a:r>
+            <a:r>
+              <a:rPr lang="en-US" sz="800" dirty="0" smtClean="0"/>
+              <a:t>[]</a:t>
+            </a:r>
+            <a:endParaRPr lang="en-US" sz="800" dirty="0"/>
+          </a:p>
+        </p:txBody>
+      </p:sp>
+      <p:sp>
+        <p:nvSpPr>
+          <p:cNvPr id="53" name="Rectangle 52"/>
+          <p:cNvSpPr/>
           <p:nvPr/>
         </p:nvSpPr>
         <p:spPr>
           <a:xfrm>
-            <a:off x="3726943" y="2143701"/>
-            <a:ext cx="463288" cy="215444"/>
+            <a:off x="4619907" y="724515"/>
+            <a:ext cx="1345299" cy="312095"/>
           </a:xfrm>
           <a:prstGeom prst="rect">
             <a:avLst/>
           </a:prstGeom>
           <a:noFill/>
-        </p:spPr>
-        <p:txBody>
-          <a:bodyPr wrap="none" rtlCol="0">
-            <a:spAutoFit/>
-          </a:bodyPr>
-          <a:lstStyle/>
-          <a:p>
-            <a:r>
-              <a:rPr lang="en-US" sz="800" dirty="0" smtClean="0"/>
-              <a:t>-&gt;seed</a:t>
-            </a:r>
-            <a:endParaRPr lang="en-US" sz="800" dirty="0"/>
+          <a:ln>
+            <a:solidFill>
+              <a:schemeClr val="tx1"/>
+            </a:solidFill>
+          </a:ln>
+          <a:effectLst/>
+        </p:spPr>
+        <p:style>
+          <a:lnRef idx="1">
+            <a:schemeClr val="accent1"/>
+          </a:lnRef>
+          <a:fillRef idx="3">
+            <a:schemeClr val="accent1"/>
+          </a:fillRef>
+          <a:effectRef idx="2">
+            <a:schemeClr val="accent1"/>
+          </a:effectRef>
+          <a:fontRef idx="minor">
+            <a:schemeClr val="lt1"/>
+          </a:fontRef>
+        </p:style>
+        <p:txBody>
+          <a:bodyPr rtlCol="0" anchor="ctr"/>
+          <a:lstStyle/>
+          <a:p>
+            <a:pPr algn="ctr"/>
+            <a:r>
+              <a:rPr lang="en-US" sz="1000" dirty="0" err="1" smtClean="0">
+                <a:solidFill>
+                  <a:schemeClr val="tx1"/>
+                </a:solidFill>
+              </a:rPr>
+              <a:t>getInputHelper</a:t>
+            </a:r>
+            <a:r>
+              <a:rPr lang="en-US" sz="1000" dirty="0" smtClean="0">
+                <a:solidFill>
+                  <a:schemeClr val="tx1"/>
+                </a:solidFill>
+              </a:rPr>
+              <a:t>()</a:t>
+            </a:r>
+            <a:endParaRPr lang="en-US" sz="1000" dirty="0">
+              <a:solidFill>
+                <a:schemeClr val="tx1"/>
+              </a:solidFill>
+            </a:endParaRPr>
           </a:p>
         </p:txBody>
       </p:sp>
       <p:cxnSp>
         <p:nvCxnSpPr>
-          <p:cNvPr id="76" name="Elbow Connector 75"/>
+          <p:cNvPr id="55" name="Elbow Connector 54"/>
           <p:cNvCxnSpPr>
-            <a:stCxn id="5" idx="3"/>
-            <a:endCxn id="43" idx="1"/>
+            <a:stCxn id="7" idx="3"/>
+            <a:endCxn id="53" idx="1"/>
           </p:cNvCxnSpPr>
           <p:nvPr/>
         </p:nvCxnSpPr>
         <p:spPr>
-          <a:xfrm>
-            <a:off x="1131375" y="3262579"/>
-            <a:ext cx="330623" cy="982030"/>
+          <a:xfrm flipV="1">
+            <a:off x="4096515" y="880563"/>
+            <a:ext cx="523392" cy="17976"/>
           </a:xfrm>
           <a:prstGeom prst="bentConnector3">
             <a:avLst>
@@ -5296,14 +5662,14 @@
       </p:cxnSp>
       <p:sp>
         <p:nvSpPr>
-          <p:cNvPr id="80" name="TextBox 79"/>
+          <p:cNvPr id="58" name="TextBox 57"/>
           <p:cNvSpPr txBox="1"/>
           <p:nvPr/>
         </p:nvSpPr>
         <p:spPr>
           <a:xfrm>
-            <a:off x="949702" y="4416785"/>
-            <a:ext cx="1399341" cy="215444"/>
+            <a:off x="4957765" y="3096566"/>
+            <a:ext cx="486231" cy="338554"/>
           </a:xfrm>
           <a:prstGeom prst="rect">
             <a:avLst/>
@@ -5311,37 +5677,34 @@
           <a:noFill/>
         </p:spPr>
         <p:txBody>
-          <a:bodyPr wrap="square" rtlCol="0">
+          <a:bodyPr wrap="none" rtlCol="0">
             <a:spAutoFit/>
           </a:bodyPr>
           <a:lstStyle/>
           <a:p>
             <a:r>
               <a:rPr lang="en-US" sz="800" dirty="0" smtClean="0"/>
-              <a:t>-&gt;</a:t>
-            </a:r>
-            <a:r>
-              <a:rPr lang="en-US" sz="800" dirty="0" err="1" smtClean="0"/>
-              <a:t>optionArray</a:t>
-            </a:r>
-            <a:r>
-              <a:rPr lang="en-US" sz="800" dirty="0" smtClean="0"/>
-              <a:t>[]</a:t>
-            </a:r>
-            <a:endParaRPr lang="en-US" sz="800" dirty="0"/>
-          </a:p>
-        </p:txBody>
-      </p:sp>
-      <p:sp>
-        <p:nvSpPr>
-          <p:cNvPr id="81" name="Rectangle 80"/>
+              <a:t>-&gt; left</a:t>
+            </a:r>
+          </a:p>
+          <a:p>
+            <a:r>
+              <a:rPr lang="en-US" sz="800" dirty="0" smtClean="0"/>
+              <a:t>-&gt; right</a:t>
+            </a:r>
+          </a:p>
+        </p:txBody>
+      </p:sp>
+      <p:sp>
+        <p:nvSpPr>
+          <p:cNvPr id="60" name="Rectangle 59"/>
           <p:cNvSpPr/>
           <p:nvPr/>
         </p:nvSpPr>
         <p:spPr>
           <a:xfrm>
-            <a:off x="2336807" y="2630303"/>
-            <a:ext cx="887045" cy="312095"/>
+            <a:off x="8010141" y="2666927"/>
+            <a:ext cx="983172" cy="312095"/>
           </a:xfrm>
           <a:prstGeom prst="rect">
             <a:avLst/>
@@ -5379,7 +5742,7 @@
                   <a:schemeClr val="tx1"/>
                 </a:solidFill>
               </a:rPr>
-              <a:t>copyArray</a:t>
+              <a:t>mergeA</a:t>
             </a:r>
             <a:r>
               <a:rPr lang="en-US" sz="1000" dirty="0" smtClean="0">
@@ -5387,15 +5750,7 @@
                   <a:schemeClr val="tx1"/>
                 </a:solidFill>
               </a:rPr>
-              <a:t>(</a:t>
-            </a:r>
-            <a:r>
-              <a:rPr lang="en-US" sz="1000" dirty="0" smtClean="0">
-                <a:solidFill>
-                  <a:schemeClr val="tx1"/>
-                </a:solidFill>
-              </a:rPr>
-              <a:t>)</a:t>
+              <a:t>()</a:t>
             </a:r>
             <a:endParaRPr lang="en-US" sz="1000" dirty="0">
               <a:solidFill>
@@ -5407,20 +5762,22 @@
       </p:sp>
       <p:cxnSp>
         <p:nvCxnSpPr>
-          <p:cNvPr id="84" name="Elbow Connector 83"/>
+          <p:cNvPr id="64" name="Elbow Connector 63"/>
           <p:cNvCxnSpPr>
-            <a:stCxn id="43" idx="0"/>
-            <a:endCxn id="81" idx="1"/>
+            <a:stCxn id="22" idx="3"/>
+            <a:endCxn id="60" idx="1"/>
           </p:cNvCxnSpPr>
           <p:nvPr/>
         </p:nvCxnSpPr>
         <p:spPr>
-          <a:xfrm rot="5400000" flipH="1" flipV="1">
-            <a:off x="1470059" y="3221813"/>
-            <a:ext cx="1302210" cy="431286"/>
-          </a:xfrm>
-          <a:prstGeom prst="bentConnector2">
-            <a:avLst/>
+          <a:xfrm flipV="1">
+            <a:off x="7183240" y="2822975"/>
+            <a:ext cx="826901" cy="2153"/>
+          </a:xfrm>
+          <a:prstGeom prst="bentConnector3">
+            <a:avLst>
+              <a:gd name="adj1" fmla="val 50000"/>
+            </a:avLst>
           </a:prstGeom>
           <a:ln w="12700" cmpd="sng">
             <a:solidFill>
@@ -5446,14 +5803,14 @@
       </p:cxnSp>
       <p:sp>
         <p:nvSpPr>
-          <p:cNvPr id="86" name="TextBox 85"/>
+          <p:cNvPr id="77" name="TextBox 76"/>
           <p:cNvSpPr txBox="1"/>
           <p:nvPr/>
         </p:nvSpPr>
         <p:spPr>
           <a:xfrm>
-            <a:off x="1907145" y="2825128"/>
-            <a:ext cx="441898" cy="215444"/>
+            <a:off x="7415831" y="2249997"/>
+            <a:ext cx="621234" cy="584776"/>
           </a:xfrm>
           <a:prstGeom prst="rect">
             <a:avLst/>
@@ -5476,9 +5833,564 @@
             </a:r>
             <a:r>
               <a:rPr lang="en-US" sz="800" dirty="0" smtClean="0"/>
-              <a:t>[]</a:t>
-            </a:r>
-            <a:endParaRPr lang="en-US" sz="800" dirty="0"/>
+              <a:t>[] </a:t>
+            </a:r>
+            <a:r>
+              <a:rPr lang="en-US" sz="800" dirty="0" err="1" smtClean="0"/>
+              <a:t>arr</a:t>
+            </a:r>
+            <a:endParaRPr lang="en-US" sz="800" dirty="0" smtClean="0"/>
+          </a:p>
+          <a:p>
+            <a:r>
+              <a:rPr lang="en-US" sz="800" dirty="0" smtClean="0"/>
+              <a:t>-&gt; </a:t>
+            </a:r>
+            <a:r>
+              <a:rPr lang="en-US" sz="800" dirty="0" err="1" smtClean="0"/>
+              <a:t>int</a:t>
+            </a:r>
+            <a:r>
+              <a:rPr lang="en-US" sz="800" dirty="0" smtClean="0"/>
+              <a:t> </a:t>
+            </a:r>
+            <a:r>
+              <a:rPr lang="en-US" sz="800" dirty="0" err="1" smtClean="0"/>
+              <a:t>rleft</a:t>
+            </a:r>
+            <a:endParaRPr lang="en-US" sz="800" dirty="0" smtClean="0"/>
+          </a:p>
+          <a:p>
+            <a:r>
+              <a:rPr lang="en-US" sz="800" dirty="0" smtClean="0"/>
+              <a:t>-&gt; </a:t>
+            </a:r>
+            <a:r>
+              <a:rPr lang="en-US" sz="800" dirty="0" err="1" smtClean="0"/>
+              <a:t>int</a:t>
+            </a:r>
+            <a:r>
+              <a:rPr lang="en-US" sz="800" dirty="0" smtClean="0"/>
+              <a:t> mid</a:t>
+            </a:r>
+          </a:p>
+          <a:p>
+            <a:r>
+              <a:rPr lang="en-US" sz="800" dirty="0" smtClean="0"/>
+              <a:t>-&gt;  </a:t>
+            </a:r>
+            <a:r>
+              <a:rPr lang="en-US" sz="800" dirty="0" err="1" smtClean="0"/>
+              <a:t>intright</a:t>
+            </a:r>
+            <a:endParaRPr lang="en-US" sz="800" dirty="0" smtClean="0"/>
+          </a:p>
+        </p:txBody>
+      </p:sp>
+      <p:sp>
+        <p:nvSpPr>
+          <p:cNvPr id="82" name="TextBox 81"/>
+          <p:cNvSpPr txBox="1"/>
+          <p:nvPr/>
+        </p:nvSpPr>
+        <p:spPr>
+          <a:xfrm>
+            <a:off x="3308885" y="4852956"/>
+            <a:ext cx="770914" cy="338554"/>
+          </a:xfrm>
+          <a:prstGeom prst="rect">
+            <a:avLst/>
+          </a:prstGeom>
+          <a:noFill/>
+        </p:spPr>
+        <p:txBody>
+          <a:bodyPr wrap="none" rtlCol="0">
+            <a:spAutoFit/>
+          </a:bodyPr>
+          <a:lstStyle/>
+          <a:p>
+            <a:r>
+              <a:rPr lang="en-US" sz="800" dirty="0" smtClean="0"/>
+              <a:t>-&gt;</a:t>
+            </a:r>
+            <a:r>
+              <a:rPr lang="en-US" sz="800" dirty="0" err="1" smtClean="0"/>
+              <a:t>int</a:t>
+            </a:r>
+            <a:r>
+              <a:rPr lang="en-US" sz="800" dirty="0" smtClean="0"/>
+              <a:t> </a:t>
+            </a:r>
+            <a:r>
+              <a:rPr lang="en-US" sz="800" dirty="0" smtClean="0"/>
+              <a:t>choice</a:t>
+            </a:r>
+            <a:endParaRPr lang="en-US" sz="800" dirty="0" smtClean="0"/>
+          </a:p>
+          <a:p>
+            <a:r>
+              <a:rPr lang="en-US" sz="800" dirty="0" smtClean="0"/>
+              <a:t>-&gt;</a:t>
+            </a:r>
+            <a:r>
+              <a:rPr lang="en-US" sz="800" dirty="0" smtClean="0"/>
+              <a:t>double time</a:t>
+            </a:r>
+            <a:endParaRPr lang="en-US" sz="800" dirty="0" smtClean="0"/>
+          </a:p>
+        </p:txBody>
+      </p:sp>
+      <p:sp>
+        <p:nvSpPr>
+          <p:cNvPr id="85" name="Rectangle 84"/>
+          <p:cNvSpPr/>
+          <p:nvPr/>
+        </p:nvSpPr>
+        <p:spPr>
+          <a:xfrm>
+            <a:off x="6104664" y="5007914"/>
+            <a:ext cx="1203125" cy="312095"/>
+          </a:xfrm>
+          <a:prstGeom prst="rect">
+            <a:avLst/>
+          </a:prstGeom>
+          <a:noFill/>
+          <a:ln>
+            <a:solidFill>
+              <a:schemeClr val="tx1"/>
+            </a:solidFill>
+          </a:ln>
+          <a:effectLst/>
+        </p:spPr>
+        <p:style>
+          <a:lnRef idx="1">
+            <a:schemeClr val="accent1"/>
+          </a:lnRef>
+          <a:fillRef idx="3">
+            <a:schemeClr val="accent1"/>
+          </a:fillRef>
+          <a:effectRef idx="2">
+            <a:schemeClr val="accent1"/>
+          </a:effectRef>
+          <a:fontRef idx="minor">
+            <a:schemeClr val="lt1"/>
+          </a:fontRef>
+        </p:style>
+        <p:txBody>
+          <a:bodyPr rtlCol="0" anchor="ctr"/>
+          <a:lstStyle/>
+          <a:p>
+            <a:pPr algn="ctr"/>
+            <a:r>
+              <a:rPr lang="en-US" sz="1000" dirty="0" err="1" smtClean="0">
+                <a:solidFill>
+                  <a:schemeClr val="tx1"/>
+                </a:solidFill>
+              </a:rPr>
+              <a:t>getSortName</a:t>
+            </a:r>
+            <a:r>
+              <a:rPr lang="en-US" sz="1000" dirty="0" smtClean="0">
+                <a:solidFill>
+                  <a:schemeClr val="tx1"/>
+                </a:solidFill>
+              </a:rPr>
+              <a:t>(</a:t>
+            </a:r>
+            <a:r>
+              <a:rPr lang="en-US" sz="1000" dirty="0" smtClean="0">
+                <a:solidFill>
+                  <a:schemeClr val="tx1"/>
+                </a:solidFill>
+              </a:rPr>
+              <a:t>)</a:t>
+            </a:r>
+            <a:endParaRPr lang="en-US" sz="1000" dirty="0">
+              <a:solidFill>
+                <a:schemeClr val="tx1"/>
+              </a:solidFill>
+            </a:endParaRPr>
+          </a:p>
+        </p:txBody>
+      </p:sp>
+      <p:sp>
+        <p:nvSpPr>
+          <p:cNvPr id="87" name="TextBox 86"/>
+          <p:cNvSpPr txBox="1"/>
+          <p:nvPr/>
+        </p:nvSpPr>
+        <p:spPr>
+          <a:xfrm>
+            <a:off x="5415650" y="4825408"/>
+            <a:ext cx="671528" cy="338554"/>
+          </a:xfrm>
+          <a:prstGeom prst="rect">
+            <a:avLst/>
+          </a:prstGeom>
+          <a:noFill/>
+        </p:spPr>
+        <p:txBody>
+          <a:bodyPr wrap="none" rtlCol="0">
+            <a:spAutoFit/>
+          </a:bodyPr>
+          <a:lstStyle/>
+          <a:p>
+            <a:r>
+              <a:rPr lang="en-US" sz="800" dirty="0" smtClean="0"/>
+              <a:t>-&gt;</a:t>
+            </a:r>
+            <a:r>
+              <a:rPr lang="en-US" sz="800" dirty="0" err="1" smtClean="0"/>
+              <a:t>int</a:t>
+            </a:r>
+            <a:r>
+              <a:rPr lang="en-US" sz="800" dirty="0" smtClean="0"/>
+              <a:t> </a:t>
+            </a:r>
+            <a:r>
+              <a:rPr lang="en-US" sz="800" dirty="0" smtClean="0"/>
+              <a:t>choice</a:t>
+            </a:r>
+            <a:endParaRPr lang="en-US" sz="800" dirty="0" smtClean="0"/>
+          </a:p>
+          <a:p>
+            <a:r>
+              <a:rPr lang="en-US" sz="800" dirty="0" smtClean="0"/>
+              <a:t>&lt;-</a:t>
+            </a:r>
+            <a:r>
+              <a:rPr lang="en-US" sz="800" dirty="0" smtClean="0"/>
+              <a:t>string </a:t>
+            </a:r>
+            <a:endParaRPr lang="en-US" sz="800" dirty="0" smtClean="0"/>
+          </a:p>
+        </p:txBody>
+      </p:sp>
+      <p:cxnSp>
+        <p:nvCxnSpPr>
+          <p:cNvPr id="88" name="Elbow Connector 87"/>
+          <p:cNvCxnSpPr>
+            <a:stCxn id="71" idx="3"/>
+            <a:endCxn id="85" idx="1"/>
+          </p:cNvCxnSpPr>
+          <p:nvPr/>
+        </p:nvCxnSpPr>
+        <p:spPr>
+          <a:xfrm>
+            <a:off x="5443995" y="5163962"/>
+            <a:ext cx="660669" cy="12700"/>
+          </a:xfrm>
+          <a:prstGeom prst="bentConnector3">
+            <a:avLst>
+              <a:gd name="adj1" fmla="val 50000"/>
+            </a:avLst>
+          </a:prstGeom>
+          <a:ln w="12700" cmpd="sng">
+            <a:solidFill>
+              <a:srgbClr val="000000"/>
+            </a:solidFill>
+          </a:ln>
+          <a:effectLst/>
+        </p:spPr>
+        <p:style>
+          <a:lnRef idx="2">
+            <a:schemeClr val="accent1"/>
+          </a:lnRef>
+          <a:fillRef idx="0">
+            <a:schemeClr val="accent1"/>
+          </a:fillRef>
+          <a:effectRef idx="1">
+            <a:schemeClr val="accent1"/>
+          </a:effectRef>
+          <a:fontRef idx="minor">
+            <a:schemeClr val="tx1"/>
+          </a:fontRef>
+        </p:style>
+      </p:cxnSp>
+      <p:sp>
+        <p:nvSpPr>
+          <p:cNvPr id="89" name="Rectangle 88"/>
+          <p:cNvSpPr/>
+          <p:nvPr/>
+        </p:nvSpPr>
+        <p:spPr>
+          <a:xfrm>
+            <a:off x="4212525" y="5531407"/>
+            <a:ext cx="1203125" cy="312095"/>
+          </a:xfrm>
+          <a:prstGeom prst="rect">
+            <a:avLst/>
+          </a:prstGeom>
+          <a:noFill/>
+          <a:ln>
+            <a:solidFill>
+              <a:schemeClr val="tx1"/>
+            </a:solidFill>
+          </a:ln>
+          <a:effectLst/>
+        </p:spPr>
+        <p:style>
+          <a:lnRef idx="1">
+            <a:schemeClr val="accent1"/>
+          </a:lnRef>
+          <a:fillRef idx="3">
+            <a:schemeClr val="accent1"/>
+          </a:fillRef>
+          <a:effectRef idx="2">
+            <a:schemeClr val="accent1"/>
+          </a:effectRef>
+          <a:fontRef idx="minor">
+            <a:schemeClr val="lt1"/>
+          </a:fontRef>
+        </p:style>
+        <p:txBody>
+          <a:bodyPr rtlCol="0" anchor="ctr"/>
+          <a:lstStyle/>
+          <a:p>
+            <a:pPr algn="ctr"/>
+            <a:r>
+              <a:rPr lang="en-US" sz="1000" dirty="0" err="1" smtClean="0">
+                <a:solidFill>
+                  <a:schemeClr val="tx1"/>
+                </a:solidFill>
+              </a:rPr>
+              <a:t>displayResults</a:t>
+            </a:r>
+            <a:r>
+              <a:rPr lang="en-US" sz="1000" dirty="0" smtClean="0">
+                <a:solidFill>
+                  <a:schemeClr val="tx1"/>
+                </a:solidFill>
+              </a:rPr>
+              <a:t>(</a:t>
+            </a:r>
+            <a:r>
+              <a:rPr lang="en-US" sz="1000" dirty="0" smtClean="0">
+                <a:solidFill>
+                  <a:schemeClr val="tx1"/>
+                </a:solidFill>
+              </a:rPr>
+              <a:t>)</a:t>
+            </a:r>
+            <a:endParaRPr lang="en-US" sz="1000" dirty="0">
+              <a:solidFill>
+                <a:schemeClr val="tx1"/>
+              </a:solidFill>
+            </a:endParaRPr>
+          </a:p>
+        </p:txBody>
+      </p:sp>
+      <p:cxnSp>
+        <p:nvCxnSpPr>
+          <p:cNvPr id="90" name="Elbow Connector 89"/>
+          <p:cNvCxnSpPr>
+            <a:stCxn id="43" idx="3"/>
+            <a:endCxn id="89" idx="1"/>
+          </p:cNvCxnSpPr>
+          <p:nvPr/>
+        </p:nvCxnSpPr>
+        <p:spPr>
+          <a:xfrm>
+            <a:off x="2349043" y="4244609"/>
+            <a:ext cx="1863482" cy="1442846"/>
+          </a:xfrm>
+          <a:prstGeom prst="bentConnector3">
+            <a:avLst>
+              <a:gd name="adj1" fmla="val 50443"/>
+            </a:avLst>
+          </a:prstGeom>
+          <a:ln w="12700" cmpd="sng">
+            <a:solidFill>
+              <a:srgbClr val="000000"/>
+            </a:solidFill>
+          </a:ln>
+          <a:effectLst/>
+        </p:spPr>
+        <p:style>
+          <a:lnRef idx="2">
+            <a:schemeClr val="accent1"/>
+          </a:lnRef>
+          <a:fillRef idx="0">
+            <a:schemeClr val="accent1"/>
+          </a:fillRef>
+          <a:effectRef idx="1">
+            <a:schemeClr val="accent1"/>
+          </a:effectRef>
+          <a:fontRef idx="minor">
+            <a:schemeClr val="tx1"/>
+          </a:fontRef>
+        </p:style>
+      </p:cxnSp>
+      <p:sp>
+        <p:nvSpPr>
+          <p:cNvPr id="92" name="Rectangle 91"/>
+          <p:cNvSpPr/>
+          <p:nvPr/>
+        </p:nvSpPr>
+        <p:spPr>
+          <a:xfrm>
+            <a:off x="8010141" y="3768856"/>
+            <a:ext cx="983172" cy="312095"/>
+          </a:xfrm>
+          <a:prstGeom prst="rect">
+            <a:avLst/>
+          </a:prstGeom>
+          <a:noFill/>
+          <a:ln>
+            <a:solidFill>
+              <a:schemeClr val="tx1"/>
+            </a:solidFill>
+          </a:ln>
+          <a:effectLst/>
+        </p:spPr>
+        <p:style>
+          <a:lnRef idx="1">
+            <a:schemeClr val="accent1"/>
+          </a:lnRef>
+          <a:fillRef idx="3">
+            <a:schemeClr val="accent1"/>
+          </a:fillRef>
+          <a:effectRef idx="2">
+            <a:schemeClr val="accent1"/>
+          </a:effectRef>
+          <a:fontRef idx="minor">
+            <a:schemeClr val="lt1"/>
+          </a:fontRef>
+        </p:style>
+        <p:txBody>
+          <a:bodyPr rtlCol="0" anchor="ctr"/>
+          <a:lstStyle/>
+          <a:p>
+            <a:pPr algn="ctr"/>
+            <a:r>
+              <a:rPr lang="en-US" sz="1000" dirty="0" err="1" smtClean="0">
+                <a:solidFill>
+                  <a:schemeClr val="tx1"/>
+                </a:solidFill>
+              </a:rPr>
+              <a:t>findPartition</a:t>
+            </a:r>
+            <a:r>
+              <a:rPr lang="en-US" sz="1000" dirty="0" smtClean="0">
+                <a:solidFill>
+                  <a:schemeClr val="tx1"/>
+                </a:solidFill>
+              </a:rPr>
+              <a:t>(</a:t>
+            </a:r>
+            <a:r>
+              <a:rPr lang="en-US" sz="1000" dirty="0" smtClean="0">
+                <a:solidFill>
+                  <a:schemeClr val="tx1"/>
+                </a:solidFill>
+              </a:rPr>
+              <a:t>)</a:t>
+            </a:r>
+            <a:endParaRPr lang="en-US" sz="1000" dirty="0">
+              <a:solidFill>
+                <a:schemeClr val="tx1"/>
+              </a:solidFill>
+            </a:endParaRPr>
+          </a:p>
+        </p:txBody>
+      </p:sp>
+      <p:cxnSp>
+        <p:nvCxnSpPr>
+          <p:cNvPr id="93" name="Elbow Connector 92"/>
+          <p:cNvCxnSpPr>
+            <a:stCxn id="27" idx="3"/>
+            <a:endCxn id="92" idx="1"/>
+          </p:cNvCxnSpPr>
+          <p:nvPr/>
+        </p:nvCxnSpPr>
+        <p:spPr>
+          <a:xfrm flipV="1">
+            <a:off x="7183240" y="3924904"/>
+            <a:ext cx="826901" cy="8247"/>
+          </a:xfrm>
+          <a:prstGeom prst="bentConnector3">
+            <a:avLst>
+              <a:gd name="adj1" fmla="val 50000"/>
+            </a:avLst>
+          </a:prstGeom>
+          <a:ln w="12700" cmpd="sng">
+            <a:solidFill>
+              <a:srgbClr val="000000"/>
+            </a:solidFill>
+          </a:ln>
+          <a:effectLst/>
+        </p:spPr>
+        <p:style>
+          <a:lnRef idx="2">
+            <a:schemeClr val="accent1"/>
+          </a:lnRef>
+          <a:fillRef idx="0">
+            <a:schemeClr val="accent1"/>
+          </a:fillRef>
+          <a:effectRef idx="1">
+            <a:schemeClr val="accent1"/>
+          </a:effectRef>
+          <a:fontRef idx="minor">
+            <a:schemeClr val="tx1"/>
+          </a:fontRef>
+        </p:style>
+      </p:cxnSp>
+      <p:sp>
+        <p:nvSpPr>
+          <p:cNvPr id="96" name="TextBox 95"/>
+          <p:cNvSpPr txBox="1"/>
+          <p:nvPr/>
+        </p:nvSpPr>
+        <p:spPr>
+          <a:xfrm>
+            <a:off x="7257614" y="3504154"/>
+            <a:ext cx="430076" cy="461665"/>
+          </a:xfrm>
+          <a:prstGeom prst="rect">
+            <a:avLst/>
+          </a:prstGeom>
+          <a:noFill/>
+        </p:spPr>
+        <p:txBody>
+          <a:bodyPr wrap="none" rtlCol="0">
+            <a:spAutoFit/>
+          </a:bodyPr>
+          <a:lstStyle/>
+          <a:p>
+            <a:r>
+              <a:rPr lang="en-US" sz="800" dirty="0" smtClean="0"/>
+              <a:t>-&gt;</a:t>
+            </a:r>
+            <a:r>
+              <a:rPr lang="en-US" sz="800" dirty="0" err="1" smtClean="0"/>
+              <a:t>int</a:t>
+            </a:r>
+            <a:r>
+              <a:rPr lang="en-US" sz="800" dirty="0" smtClean="0"/>
+              <a:t>*</a:t>
+            </a:r>
+          </a:p>
+          <a:p>
+            <a:r>
+              <a:rPr lang="en-US" sz="800" dirty="0" smtClean="0"/>
+              <a:t>-&gt;</a:t>
+            </a:r>
+            <a:r>
+              <a:rPr lang="en-US" sz="800" dirty="0" err="1" smtClean="0"/>
+              <a:t>int</a:t>
+            </a:r>
+            <a:endParaRPr lang="en-US" sz="800" dirty="0" smtClean="0"/>
+          </a:p>
+          <a:p>
+            <a:r>
+              <a:rPr lang="en-US" sz="800" dirty="0" smtClean="0"/>
+              <a:t>-&gt;</a:t>
+            </a:r>
+            <a:r>
+              <a:rPr lang="en-US" sz="800" dirty="0" err="1" smtClean="0"/>
+              <a:t>int</a:t>
+            </a:r>
+            <a:endParaRPr lang="en-US" sz="800" dirty="0" smtClean="0"/>
           </a:p>
         </p:txBody>
       </p:sp>
